--- a/lecture/Lecture 6 Sept 11/6 Data Cleaning, EDA and Energy.pptx
+++ b/lecture/Lecture 6 Sept 11/6 Data Cleaning, EDA and Energy.pptx
@@ -16,16 +16,16 @@
     <p:sldId id="327" r:id="rId7"/>
     <p:sldId id="603" r:id="rId8"/>
     <p:sldId id="597" r:id="rId9"/>
-    <p:sldId id="600" r:id="rId10"/>
-    <p:sldId id="515" r:id="rId11"/>
-    <p:sldId id="329" r:id="rId12"/>
-    <p:sldId id="330" r:id="rId13"/>
-    <p:sldId id="331" r:id="rId14"/>
-    <p:sldId id="639" r:id="rId15"/>
-    <p:sldId id="336" r:id="rId16"/>
-    <p:sldId id="333" r:id="rId17"/>
-    <p:sldId id="334" r:id="rId18"/>
-    <p:sldId id="332" r:id="rId19"/>
+    <p:sldId id="640" r:id="rId10"/>
+    <p:sldId id="600" r:id="rId11"/>
+    <p:sldId id="515" r:id="rId12"/>
+    <p:sldId id="329" r:id="rId13"/>
+    <p:sldId id="330" r:id="rId14"/>
+    <p:sldId id="331" r:id="rId15"/>
+    <p:sldId id="639" r:id="rId16"/>
+    <p:sldId id="336" r:id="rId17"/>
+    <p:sldId id="333" r:id="rId18"/>
+    <p:sldId id="334" r:id="rId19"/>
   </p:sldIdLst>
   <p:sldSz cx="12192000" cy="6858000"/>
   <p:notesSz cx="6858000" cy="9144000"/>
@@ -566,6 +566,154 @@
 </p:notes>
 </file>
 
+<file path=ppt/notesSlides/notesSlide2.xml><?xml version="1.0" encoding="utf-8"?>
+<p:notes xmlns:a="http://schemas.openxmlformats.org/drawingml/2006/main" xmlns:r="http://schemas.openxmlformats.org/officeDocument/2006/relationships" xmlns:p="http://schemas.openxmlformats.org/presentationml/2006/main">
+  <p:cSld>
+    <p:spTree>
+      <p:nvGrpSpPr>
+        <p:cNvPr id="1" name=""/>
+        <p:cNvGrpSpPr/>
+        <p:nvPr/>
+      </p:nvGrpSpPr>
+      <p:grpSpPr>
+        <a:xfrm>
+          <a:off x="0" y="0"/>
+          <a:ext cx="0" cy="0"/>
+          <a:chOff x="0" y="0"/>
+          <a:chExt cx="0" cy="0"/>
+        </a:xfrm>
+      </p:grpSpPr>
+      <p:sp>
+        <p:nvSpPr>
+          <p:cNvPr id="2" name="Slide Image Placeholder 1"/>
+          <p:cNvSpPr>
+            <a:spLocks noGrp="1" noRot="1" noChangeAspect="1"/>
+          </p:cNvSpPr>
+          <p:nvPr>
+            <p:ph type="sldImg"/>
+          </p:nvPr>
+        </p:nvSpPr>
+        <p:spPr/>
+      </p:sp>
+      <p:sp>
+        <p:nvSpPr>
+          <p:cNvPr id="3" name="Notes Placeholder 2"/>
+          <p:cNvSpPr>
+            <a:spLocks noGrp="1"/>
+          </p:cNvSpPr>
+          <p:nvPr>
+            <p:ph type="body" idx="1"/>
+          </p:nvPr>
+        </p:nvSpPr>
+        <p:spPr/>
+        <p:txBody>
+          <a:bodyPr/>
+          <a:lstStyle/>
+          <a:p>
+            <a:r>
+              <a:rPr lang="en-US" dirty="0"/>
+              <a:t>Quote one points</a:t>
+            </a:r>
+          </a:p>
+          <a:p>
+            <a:pPr marL="228600" indent="-228600">
+              <a:buAutoNum type="arabicPeriod"/>
+            </a:pPr>
+            <a:r>
+              <a:rPr lang="en-US" dirty="0"/>
+              <a:t>“is a good proxy”.  </a:t>
+            </a:r>
+          </a:p>
+          <a:p>
+            <a:pPr marL="685800" lvl="1" indent="-228600">
+              <a:buAutoNum type="arabicPeriod"/>
+            </a:pPr>
+            <a:r>
+              <a:rPr lang="en-US" dirty="0"/>
+              <a:t>What evidence do we have to support this statement?  Couldn’t the causality go the other direction?  </a:t>
+            </a:r>
+          </a:p>
+          <a:p>
+            <a:pPr marL="685800" lvl="1" indent="-228600">
+              <a:buAutoNum type="arabicPeriod"/>
+            </a:pPr>
+            <a:r>
+              <a:rPr lang="en-US" dirty="0"/>
+              <a:t>There certainly are mechanisms we can point to – education easier with lighting, health care easier with refrigerated vaccines, energy gathering easier w electricity.  But could the conditions in some places be inhospitable to the positive impacts we envision?  What if people prefer to cook with wood?  What if they don’t like the light color from the </a:t>
+            </a:r>
+            <a:r>
+              <a:rPr lang="en-US" dirty="0" err="1"/>
+              <a:t>leds</a:t>
+            </a:r>
+            <a:r>
+              <a:rPr lang="en-US" dirty="0"/>
+              <a:t>?  What if they believe vaccines cause autism?  </a:t>
+            </a:r>
+          </a:p>
+          <a:p>
+            <a:pPr marL="228600" indent="-228600">
+              <a:buAutoNum type="arabicPeriod"/>
+            </a:pPr>
+            <a:r>
+              <a:rPr lang="en-US" dirty="0"/>
+              <a:t>What do these quotes mean and what do they imply for using energy use as a proxy?</a:t>
+            </a:r>
+          </a:p>
+          <a:p>
+            <a:pPr marL="685800" lvl="1" indent="-228600">
+              <a:buAutoNum type="arabicPeriod"/>
+            </a:pPr>
+            <a:r>
+              <a:rPr lang="en-US" dirty="0"/>
+              <a:t>In wealthy economies energy consumption has gone down, or at least per capita </a:t>
+            </a:r>
+            <a:r>
+              <a:rPr lang="en-US" dirty="0" err="1"/>
+              <a:t>gdp</a:t>
+            </a:r>
+            <a:r>
+              <a:rPr lang="en-US" dirty="0"/>
+              <a:t> has gone up while consumption remained flat.  What does that imply?</a:t>
+            </a:r>
+          </a:p>
+        </p:txBody>
+      </p:sp>
+      <p:sp>
+        <p:nvSpPr>
+          <p:cNvPr id="4" name="Slide Number Placeholder 3"/>
+          <p:cNvSpPr>
+            <a:spLocks noGrp="1"/>
+          </p:cNvSpPr>
+          <p:nvPr>
+            <p:ph type="sldNum" sz="quarter" idx="5"/>
+          </p:nvPr>
+        </p:nvSpPr>
+        <p:spPr/>
+        <p:txBody>
+          <a:bodyPr/>
+          <a:lstStyle/>
+          <a:p>
+            <a:fld id="{D819A83E-0401-A34D-9C72-7E11B0EBD118}" type="slidenum">
+              <a:rPr lang="en-US" smtClean="0"/>
+              <a:t>18</a:t>
+            </a:fld>
+            <a:endParaRPr lang="en-US"/>
+          </a:p>
+        </p:txBody>
+      </p:sp>
+    </p:spTree>
+    <p:extLst>
+      <p:ext uri="{BB962C8B-B14F-4D97-AF65-F5344CB8AC3E}">
+        <p14:creationId xmlns:p14="http://schemas.microsoft.com/office/powerpoint/2010/main" val="1474219386"/>
+      </p:ext>
+    </p:extLst>
+  </p:cSld>
+  <p:clrMapOvr>
+    <a:masterClrMapping/>
+  </p:clrMapOvr>
+</p:notes>
+</file>
+
 <file path=ppt/slideLayouts/slideLayout1.xml><?xml version="1.0" encoding="utf-8"?>
 <p:sldLayout xmlns:a="http://schemas.openxmlformats.org/drawingml/2006/main" xmlns:r="http://schemas.openxmlformats.org/officeDocument/2006/relationships" xmlns:p="http://schemas.openxmlformats.org/presentationml/2006/main" type="title" preserve="1">
   <p:cSld name="Title Slide">
@@ -711,9 +859,9 @@
           <a:bodyPr/>
           <a:lstStyle/>
           <a:p>
-            <a:fld id="{B1D46398-99B6-BE42-92B0-8434C3A0DC98}" type="datetime1">
+            <a:fld id="{46306A39-2582-C049-94E7-BEE0043FE884}" type="datetime1">
               <a:rPr lang="en-US" smtClean="0"/>
-              <a:t>9/10/18</a:t>
+              <a:t>9/11/18</a:t>
             </a:fld>
             <a:endParaRPr lang="en-US"/>
           </a:p>
@@ -909,9 +1057,9 @@
           <a:bodyPr/>
           <a:lstStyle/>
           <a:p>
-            <a:fld id="{02A1511E-69ED-9742-A812-5C0E04F470DF}" type="datetime1">
+            <a:fld id="{B5216377-F808-3B4F-B5ED-C923DF8B2B7D}" type="datetime1">
               <a:rPr lang="en-US" smtClean="0"/>
-              <a:t>9/10/18</a:t>
+              <a:t>9/11/18</a:t>
             </a:fld>
             <a:endParaRPr lang="en-US"/>
           </a:p>
@@ -1117,9 +1265,9 @@
           <a:bodyPr/>
           <a:lstStyle/>
           <a:p>
-            <a:fld id="{F2583637-3B42-8046-9D0F-2D5B9451C63F}" type="datetime1">
+            <a:fld id="{7C00BE73-2E81-E545-89E6-5FE841CFC5C1}" type="datetime1">
               <a:rPr lang="en-US" smtClean="0"/>
-              <a:t>9/10/18</a:t>
+              <a:t>9/11/18</a:t>
             </a:fld>
             <a:endParaRPr lang="en-US"/>
           </a:p>
@@ -1315,9 +1463,9 @@
           <a:bodyPr/>
           <a:lstStyle/>
           <a:p>
-            <a:fld id="{57508C07-C2DD-9C49-9D7F-A816FEA7B671}" type="datetime1">
+            <a:fld id="{B5E92DB6-AD97-F24C-96D2-5DF58CBA4156}" type="datetime1">
               <a:rPr lang="en-US" smtClean="0"/>
-              <a:t>9/10/18</a:t>
+              <a:t>9/11/18</a:t>
             </a:fld>
             <a:endParaRPr lang="en-US"/>
           </a:p>
@@ -1590,9 +1738,9 @@
           <a:bodyPr/>
           <a:lstStyle/>
           <a:p>
-            <a:fld id="{EC66AB0E-E8A8-3547-ABD4-B17C799B8E70}" type="datetime1">
+            <a:fld id="{FFD5026F-EF27-AD4B-95E3-2BE36BB285B7}" type="datetime1">
               <a:rPr lang="en-US" smtClean="0"/>
-              <a:t>9/10/18</a:t>
+              <a:t>9/11/18</a:t>
             </a:fld>
             <a:endParaRPr lang="en-US"/>
           </a:p>
@@ -1855,9 +2003,9 @@
           <a:bodyPr/>
           <a:lstStyle/>
           <a:p>
-            <a:fld id="{26FF6B1D-80C0-144D-9085-BB87E8FDC143}" type="datetime1">
+            <a:fld id="{BD23D610-A38E-1342-AE39-E6DBBE87239B}" type="datetime1">
               <a:rPr lang="en-US" smtClean="0"/>
-              <a:t>9/10/18</a:t>
+              <a:t>9/11/18</a:t>
             </a:fld>
             <a:endParaRPr lang="en-US"/>
           </a:p>
@@ -2267,9 +2415,9 @@
           <a:bodyPr/>
           <a:lstStyle/>
           <a:p>
-            <a:fld id="{033DB963-62DE-E64B-A3E5-233717E090EA}" type="datetime1">
+            <a:fld id="{82CA847B-8994-F345-B32E-0BF3D62E57F2}" type="datetime1">
               <a:rPr lang="en-US" smtClean="0"/>
-              <a:t>9/10/18</a:t>
+              <a:t>9/11/18</a:t>
             </a:fld>
             <a:endParaRPr lang="en-US"/>
           </a:p>
@@ -2408,9 +2556,9 @@
           <a:bodyPr/>
           <a:lstStyle/>
           <a:p>
-            <a:fld id="{6541AAF3-E701-A14B-AA10-126881CDB6B7}" type="datetime1">
+            <a:fld id="{71CB12B7-1BA8-4349-8BEA-09D14EF0D17A}" type="datetime1">
               <a:rPr lang="en-US" smtClean="0"/>
-              <a:t>9/10/18</a:t>
+              <a:t>9/11/18</a:t>
             </a:fld>
             <a:endParaRPr lang="en-US"/>
           </a:p>
@@ -2521,9 +2669,9 @@
           <a:bodyPr/>
           <a:lstStyle/>
           <a:p>
-            <a:fld id="{33AEA85F-1A0D-FB40-89B6-B711812C6CD4}" type="datetime1">
+            <a:fld id="{BD9FA13E-B763-0340-9BB6-DB54BC8E8155}" type="datetime1">
               <a:rPr lang="en-US" smtClean="0"/>
-              <a:t>9/10/18</a:t>
+              <a:t>9/11/18</a:t>
             </a:fld>
             <a:endParaRPr lang="en-US"/>
           </a:p>
@@ -2832,9 +2980,9 @@
           <a:bodyPr/>
           <a:lstStyle/>
           <a:p>
-            <a:fld id="{6376105D-4ACF-D247-8A95-FB2BF3437DDC}" type="datetime1">
+            <a:fld id="{C52EE3F0-41CD-544C-B5B8-E3021A59C7EA}" type="datetime1">
               <a:rPr lang="en-US" smtClean="0"/>
-              <a:t>9/10/18</a:t>
+              <a:t>9/11/18</a:t>
             </a:fld>
             <a:endParaRPr lang="en-US"/>
           </a:p>
@@ -3120,9 +3268,9 @@
           <a:bodyPr/>
           <a:lstStyle/>
           <a:p>
-            <a:fld id="{F547101D-1226-3042-B730-6BFCF1732284}" type="datetime1">
+            <a:fld id="{D299314F-D019-1248-962C-AA39828151A3}" type="datetime1">
               <a:rPr lang="en-US" smtClean="0"/>
-              <a:t>9/10/18</a:t>
+              <a:t>9/11/18</a:t>
             </a:fld>
             <a:endParaRPr lang="en-US"/>
           </a:p>
@@ -3361,9 +3509,9 @@
             </a:lvl1pPr>
           </a:lstStyle>
           <a:p>
-            <a:fld id="{49865757-C995-F54B-BB8E-1A8FC8F96F6E}" type="datetime1">
+            <a:fld id="{FC41ED63-A6DC-7E4E-8C59-87607DFC2790}" type="datetime1">
               <a:rPr lang="en-US" smtClean="0"/>
-              <a:t>9/10/18</a:t>
+              <a:t>9/11/18</a:t>
             </a:fld>
             <a:endParaRPr lang="en-US"/>
           </a:p>
@@ -3998,6 +4146,606 @@
         </p:nvSpPr>
         <p:spPr>
           <a:xfrm>
+            <a:off x="295776" y="208380"/>
+            <a:ext cx="10801350" cy="1325563"/>
+          </a:xfrm>
+        </p:spPr>
+        <p:txBody>
+          <a:bodyPr/>
+          <a:lstStyle/>
+          <a:p>
+            <a:r>
+              <a:rPr lang="en-US" dirty="0"/>
+              <a:t>JavaScript Object Notation (JSON)</a:t>
+            </a:r>
+          </a:p>
+        </p:txBody>
+      </p:sp>
+      <p:sp>
+        <p:nvSpPr>
+          <p:cNvPr id="5" name="Content Placeholder 4">
+            <a:extLst>
+              <a:ext uri="{FF2B5EF4-FFF2-40B4-BE49-F238E27FC236}">
+                <a16:creationId xmlns:a16="http://schemas.microsoft.com/office/drawing/2014/main" id="{C56E4576-B563-A445-8F8C-A2154D4168F0}"/>
+              </a:ext>
+            </a:extLst>
+          </p:cNvPr>
+          <p:cNvSpPr>
+            <a:spLocks noGrp="1"/>
+          </p:cNvSpPr>
+          <p:nvPr>
+            <p:ph idx="1"/>
+          </p:nvPr>
+        </p:nvSpPr>
+        <p:spPr>
+          <a:xfrm>
+            <a:off x="695325" y="3757145"/>
+            <a:ext cx="10515600" cy="2839335"/>
+          </a:xfrm>
+        </p:spPr>
+        <p:txBody>
+          <a:bodyPr>
+            <a:normAutofit/>
+          </a:bodyPr>
+          <a:lstStyle/>
+          <a:p>
+            <a:r>
+              <a:rPr lang="en-US" dirty="0"/>
+              <a:t>Widely used file format for nested data</a:t>
+            </a:r>
+          </a:p>
+          <a:p>
+            <a:pPr lvl="1"/>
+            <a:r>
+              <a:rPr lang="en-US" dirty="0"/>
+              <a:t>Natural maps to python dictionaries (many tools for loading)</a:t>
+            </a:r>
+          </a:p>
+          <a:p>
+            <a:pPr lvl="1"/>
+            <a:r>
+              <a:rPr lang="en-US" dirty="0"/>
+              <a:t>Strict formatting ”quoting” addresses some issues in CSV/TSV</a:t>
+            </a:r>
+          </a:p>
+          <a:p>
+            <a:r>
+              <a:rPr lang="en-US" dirty="0"/>
+              <a:t>Issues</a:t>
+            </a:r>
+          </a:p>
+          <a:p>
+            <a:pPr lvl="1"/>
+            <a:r>
+              <a:rPr lang="en-US" dirty="0"/>
+              <a:t>Each record can have different fields</a:t>
+            </a:r>
+          </a:p>
+          <a:p>
+            <a:pPr lvl="1"/>
+            <a:r>
+              <a:rPr lang="en-US" dirty="0"/>
+              <a:t>Nesting means records can contain records </a:t>
+            </a:r>
+            <a:r>
+              <a:rPr lang="en-US" dirty="0">
+                <a:sym typeface="Wingdings" pitchFamily="2" charset="2"/>
+              </a:rPr>
+              <a:t> complicated</a:t>
+            </a:r>
+            <a:endParaRPr lang="en-US" dirty="0"/>
+          </a:p>
+          <a:p>
+            <a:endParaRPr lang="en-US" dirty="0"/>
+          </a:p>
+        </p:txBody>
+      </p:sp>
+      <p:pic>
+        <p:nvPicPr>
+          <p:cNvPr id="7" name="Picture 6">
+            <a:extLst>
+              <a:ext uri="{FF2B5EF4-FFF2-40B4-BE49-F238E27FC236}">
+                <a16:creationId xmlns:a16="http://schemas.microsoft.com/office/drawing/2014/main" id="{331740B6-66ED-CC4E-88B7-AEEDD0592F4F}"/>
+              </a:ext>
+            </a:extLst>
+          </p:cNvPr>
+          <p:cNvPicPr>
+            <a:picLocks noChangeAspect="1"/>
+          </p:cNvPicPr>
+          <p:nvPr/>
+        </p:nvPicPr>
+        <p:blipFill>
+          <a:blip r:embed="rId2" cstate="screen">
+            <a:extLst>
+              <a:ext uri="{28A0092B-C50C-407E-A947-70E740481C1C}">
+                <a14:useLocalDpi xmlns:a14="http://schemas.microsoft.com/office/drawing/2010/main"/>
+              </a:ext>
+            </a:extLst>
+          </a:blip>
+          <a:stretch>
+            <a:fillRect/>
+          </a:stretch>
+        </p:blipFill>
+        <p:spPr>
+          <a:xfrm>
+            <a:off x="2056899" y="1313081"/>
+            <a:ext cx="8081210" cy="2026970"/>
+          </a:xfrm>
+          <a:prstGeom prst="rect">
+            <a:avLst/>
+          </a:prstGeom>
+        </p:spPr>
+      </p:pic>
+      <p:sp>
+        <p:nvSpPr>
+          <p:cNvPr id="3" name="Slide Number Placeholder 2">
+            <a:extLst>
+              <a:ext uri="{FF2B5EF4-FFF2-40B4-BE49-F238E27FC236}">
+                <a16:creationId xmlns:a16="http://schemas.microsoft.com/office/drawing/2014/main" id="{95313AAF-BC58-B144-A922-775634D75762}"/>
+              </a:ext>
+            </a:extLst>
+          </p:cNvPr>
+          <p:cNvSpPr>
+            <a:spLocks noGrp="1"/>
+          </p:cNvSpPr>
+          <p:nvPr>
+            <p:ph type="sldNum" sz="quarter" idx="12"/>
+          </p:nvPr>
+        </p:nvSpPr>
+        <p:spPr/>
+        <p:txBody>
+          <a:bodyPr/>
+          <a:lstStyle/>
+          <a:p>
+            <a:fld id="{934C0642-4071-7D48-AFF8-BD27182896CC}" type="slidenum">
+              <a:rPr lang="en-US" smtClean="0"/>
+              <a:t>10</a:t>
+            </a:fld>
+            <a:endParaRPr lang="en-US"/>
+          </a:p>
+        </p:txBody>
+      </p:sp>
+    </p:spTree>
+    <p:extLst>
+      <p:ext uri="{BB962C8B-B14F-4D97-AF65-F5344CB8AC3E}">
+        <p14:creationId xmlns:p14="http://schemas.microsoft.com/office/powerpoint/2010/main" val="1257973493"/>
+      </p:ext>
+    </p:extLst>
+  </p:cSld>
+  <p:clrMapOvr>
+    <a:masterClrMapping/>
+  </p:clrMapOvr>
+  <p:timing>
+    <p:tnLst>
+      <p:par>
+        <p:cTn id="1" dur="indefinite" restart="never" nodeType="tmRoot">
+          <p:childTnLst>
+            <p:seq concurrent="1" nextAc="seek">
+              <p:cTn id="2" dur="indefinite" nodeType="mainSeq">
+                <p:childTnLst>
+                  <p:par>
+                    <p:cTn id="3" fill="hold">
+                      <p:stCondLst>
+                        <p:cond delay="indefinite"/>
+                      </p:stCondLst>
+                      <p:childTnLst>
+                        <p:par>
+                          <p:cTn id="4" fill="hold">
+                            <p:stCondLst>
+                              <p:cond delay="0"/>
+                            </p:stCondLst>
+                            <p:childTnLst>
+                              <p:par>
+                                <p:cTn id="5" presetID="10" presetClass="entr" presetSubtype="0" fill="hold" grpId="0" nodeType="clickEffect">
+                                  <p:stCondLst>
+                                    <p:cond delay="0"/>
+                                  </p:stCondLst>
+                                  <p:childTnLst>
+                                    <p:set>
+                                      <p:cBhvr>
+                                        <p:cTn id="6" dur="1" fill="hold">
+                                          <p:stCondLst>
+                                            <p:cond delay="0"/>
+                                          </p:stCondLst>
+                                        </p:cTn>
+                                        <p:tgtEl>
+                                          <p:spTgt spid="5">
+                                            <p:txEl>
+                                              <p:pRg st="0" end="0"/>
+                                            </p:txEl>
+                                          </p:spTgt>
+                                        </p:tgtEl>
+                                        <p:attrNameLst>
+                                          <p:attrName>style.visibility</p:attrName>
+                                        </p:attrNameLst>
+                                      </p:cBhvr>
+                                      <p:to>
+                                        <p:strVal val="visible"/>
+                                      </p:to>
+                                    </p:set>
+                                    <p:animEffect transition="in" filter="fade">
+                                      <p:cBhvr>
+                                        <p:cTn id="7" dur="500"/>
+                                        <p:tgtEl>
+                                          <p:spTgt spid="5">
+                                            <p:txEl>
+                                              <p:pRg st="0" end="0"/>
+                                            </p:txEl>
+                                          </p:spTgt>
+                                        </p:tgtEl>
+                                      </p:cBhvr>
+                                    </p:animEffect>
+                                  </p:childTnLst>
+                                </p:cTn>
+                              </p:par>
+                            </p:childTnLst>
+                          </p:cTn>
+                        </p:par>
+                      </p:childTnLst>
+                    </p:cTn>
+                  </p:par>
+                  <p:par>
+                    <p:cTn id="8" fill="hold">
+                      <p:stCondLst>
+                        <p:cond delay="indefinite"/>
+                      </p:stCondLst>
+                      <p:childTnLst>
+                        <p:par>
+                          <p:cTn id="9" fill="hold">
+                            <p:stCondLst>
+                              <p:cond delay="0"/>
+                            </p:stCondLst>
+                            <p:childTnLst>
+                              <p:par>
+                                <p:cTn id="10" presetID="10" presetClass="entr" presetSubtype="0" fill="hold" grpId="0" nodeType="clickEffect">
+                                  <p:stCondLst>
+                                    <p:cond delay="0"/>
+                                  </p:stCondLst>
+                                  <p:childTnLst>
+                                    <p:set>
+                                      <p:cBhvr>
+                                        <p:cTn id="11" dur="1" fill="hold">
+                                          <p:stCondLst>
+                                            <p:cond delay="0"/>
+                                          </p:stCondLst>
+                                        </p:cTn>
+                                        <p:tgtEl>
+                                          <p:spTgt spid="5">
+                                            <p:txEl>
+                                              <p:pRg st="1" end="1"/>
+                                            </p:txEl>
+                                          </p:spTgt>
+                                        </p:tgtEl>
+                                        <p:attrNameLst>
+                                          <p:attrName>style.visibility</p:attrName>
+                                        </p:attrNameLst>
+                                      </p:cBhvr>
+                                      <p:to>
+                                        <p:strVal val="visible"/>
+                                      </p:to>
+                                    </p:set>
+                                    <p:animEffect transition="in" filter="fade">
+                                      <p:cBhvr>
+                                        <p:cTn id="12" dur="500"/>
+                                        <p:tgtEl>
+                                          <p:spTgt spid="5">
+                                            <p:txEl>
+                                              <p:pRg st="1" end="1"/>
+                                            </p:txEl>
+                                          </p:spTgt>
+                                        </p:tgtEl>
+                                      </p:cBhvr>
+                                    </p:animEffect>
+                                  </p:childTnLst>
+                                </p:cTn>
+                              </p:par>
+                            </p:childTnLst>
+                          </p:cTn>
+                        </p:par>
+                      </p:childTnLst>
+                    </p:cTn>
+                  </p:par>
+                  <p:par>
+                    <p:cTn id="13" fill="hold">
+                      <p:stCondLst>
+                        <p:cond delay="indefinite"/>
+                      </p:stCondLst>
+                      <p:childTnLst>
+                        <p:par>
+                          <p:cTn id="14" fill="hold">
+                            <p:stCondLst>
+                              <p:cond delay="0"/>
+                            </p:stCondLst>
+                            <p:childTnLst>
+                              <p:par>
+                                <p:cTn id="15" presetID="10" presetClass="entr" presetSubtype="0" fill="hold" grpId="0" nodeType="clickEffect">
+                                  <p:stCondLst>
+                                    <p:cond delay="0"/>
+                                  </p:stCondLst>
+                                  <p:childTnLst>
+                                    <p:set>
+                                      <p:cBhvr>
+                                        <p:cTn id="16" dur="1" fill="hold">
+                                          <p:stCondLst>
+                                            <p:cond delay="0"/>
+                                          </p:stCondLst>
+                                        </p:cTn>
+                                        <p:tgtEl>
+                                          <p:spTgt spid="5">
+                                            <p:txEl>
+                                              <p:pRg st="2" end="2"/>
+                                            </p:txEl>
+                                          </p:spTgt>
+                                        </p:tgtEl>
+                                        <p:attrNameLst>
+                                          <p:attrName>style.visibility</p:attrName>
+                                        </p:attrNameLst>
+                                      </p:cBhvr>
+                                      <p:to>
+                                        <p:strVal val="visible"/>
+                                      </p:to>
+                                    </p:set>
+                                    <p:animEffect transition="in" filter="fade">
+                                      <p:cBhvr>
+                                        <p:cTn id="17" dur="500"/>
+                                        <p:tgtEl>
+                                          <p:spTgt spid="5">
+                                            <p:txEl>
+                                              <p:pRg st="2" end="2"/>
+                                            </p:txEl>
+                                          </p:spTgt>
+                                        </p:tgtEl>
+                                      </p:cBhvr>
+                                    </p:animEffect>
+                                  </p:childTnLst>
+                                </p:cTn>
+                              </p:par>
+                            </p:childTnLst>
+                          </p:cTn>
+                        </p:par>
+                      </p:childTnLst>
+                    </p:cTn>
+                  </p:par>
+                  <p:par>
+                    <p:cTn id="18" fill="hold">
+                      <p:stCondLst>
+                        <p:cond delay="indefinite"/>
+                      </p:stCondLst>
+                      <p:childTnLst>
+                        <p:par>
+                          <p:cTn id="19" fill="hold">
+                            <p:stCondLst>
+                              <p:cond delay="0"/>
+                            </p:stCondLst>
+                            <p:childTnLst>
+                              <p:par>
+                                <p:cTn id="20" presetID="10" presetClass="entr" presetSubtype="0" fill="hold" grpId="0" nodeType="clickEffect">
+                                  <p:stCondLst>
+                                    <p:cond delay="0"/>
+                                  </p:stCondLst>
+                                  <p:childTnLst>
+                                    <p:set>
+                                      <p:cBhvr>
+                                        <p:cTn id="21" dur="1" fill="hold">
+                                          <p:stCondLst>
+                                            <p:cond delay="0"/>
+                                          </p:stCondLst>
+                                        </p:cTn>
+                                        <p:tgtEl>
+                                          <p:spTgt spid="5">
+                                            <p:txEl>
+                                              <p:pRg st="3" end="3"/>
+                                            </p:txEl>
+                                          </p:spTgt>
+                                        </p:tgtEl>
+                                        <p:attrNameLst>
+                                          <p:attrName>style.visibility</p:attrName>
+                                        </p:attrNameLst>
+                                      </p:cBhvr>
+                                      <p:to>
+                                        <p:strVal val="visible"/>
+                                      </p:to>
+                                    </p:set>
+                                    <p:animEffect transition="in" filter="fade">
+                                      <p:cBhvr>
+                                        <p:cTn id="22" dur="500"/>
+                                        <p:tgtEl>
+                                          <p:spTgt spid="5">
+                                            <p:txEl>
+                                              <p:pRg st="3" end="3"/>
+                                            </p:txEl>
+                                          </p:spTgt>
+                                        </p:tgtEl>
+                                      </p:cBhvr>
+                                    </p:animEffect>
+                                  </p:childTnLst>
+                                </p:cTn>
+                              </p:par>
+                            </p:childTnLst>
+                          </p:cTn>
+                        </p:par>
+                      </p:childTnLst>
+                    </p:cTn>
+                  </p:par>
+                  <p:par>
+                    <p:cTn id="23" fill="hold">
+                      <p:stCondLst>
+                        <p:cond delay="indefinite"/>
+                      </p:stCondLst>
+                      <p:childTnLst>
+                        <p:par>
+                          <p:cTn id="24" fill="hold">
+                            <p:stCondLst>
+                              <p:cond delay="0"/>
+                            </p:stCondLst>
+                            <p:childTnLst>
+                              <p:par>
+                                <p:cTn id="25" presetID="10" presetClass="entr" presetSubtype="0" fill="hold" grpId="0" nodeType="clickEffect">
+                                  <p:stCondLst>
+                                    <p:cond delay="0"/>
+                                  </p:stCondLst>
+                                  <p:childTnLst>
+                                    <p:set>
+                                      <p:cBhvr>
+                                        <p:cTn id="26" dur="1" fill="hold">
+                                          <p:stCondLst>
+                                            <p:cond delay="0"/>
+                                          </p:stCondLst>
+                                        </p:cTn>
+                                        <p:tgtEl>
+                                          <p:spTgt spid="5">
+                                            <p:txEl>
+                                              <p:pRg st="4" end="4"/>
+                                            </p:txEl>
+                                          </p:spTgt>
+                                        </p:tgtEl>
+                                        <p:attrNameLst>
+                                          <p:attrName>style.visibility</p:attrName>
+                                        </p:attrNameLst>
+                                      </p:cBhvr>
+                                      <p:to>
+                                        <p:strVal val="visible"/>
+                                      </p:to>
+                                    </p:set>
+                                    <p:animEffect transition="in" filter="fade">
+                                      <p:cBhvr>
+                                        <p:cTn id="27" dur="500"/>
+                                        <p:tgtEl>
+                                          <p:spTgt spid="5">
+                                            <p:txEl>
+                                              <p:pRg st="4" end="4"/>
+                                            </p:txEl>
+                                          </p:spTgt>
+                                        </p:tgtEl>
+                                      </p:cBhvr>
+                                    </p:animEffect>
+                                  </p:childTnLst>
+                                </p:cTn>
+                              </p:par>
+                            </p:childTnLst>
+                          </p:cTn>
+                        </p:par>
+                      </p:childTnLst>
+                    </p:cTn>
+                  </p:par>
+                  <p:par>
+                    <p:cTn id="28" fill="hold">
+                      <p:stCondLst>
+                        <p:cond delay="indefinite"/>
+                      </p:stCondLst>
+                      <p:childTnLst>
+                        <p:par>
+                          <p:cTn id="29" fill="hold">
+                            <p:stCondLst>
+                              <p:cond delay="0"/>
+                            </p:stCondLst>
+                            <p:childTnLst>
+                              <p:par>
+                                <p:cTn id="30" presetID="10" presetClass="entr" presetSubtype="0" fill="hold" grpId="0" nodeType="clickEffect">
+                                  <p:stCondLst>
+                                    <p:cond delay="0"/>
+                                  </p:stCondLst>
+                                  <p:childTnLst>
+                                    <p:set>
+                                      <p:cBhvr>
+                                        <p:cTn id="31" dur="1" fill="hold">
+                                          <p:stCondLst>
+                                            <p:cond delay="0"/>
+                                          </p:stCondLst>
+                                        </p:cTn>
+                                        <p:tgtEl>
+                                          <p:spTgt spid="5">
+                                            <p:txEl>
+                                              <p:pRg st="5" end="5"/>
+                                            </p:txEl>
+                                          </p:spTgt>
+                                        </p:tgtEl>
+                                        <p:attrNameLst>
+                                          <p:attrName>style.visibility</p:attrName>
+                                        </p:attrNameLst>
+                                      </p:cBhvr>
+                                      <p:to>
+                                        <p:strVal val="visible"/>
+                                      </p:to>
+                                    </p:set>
+                                    <p:animEffect transition="in" filter="fade">
+                                      <p:cBhvr>
+                                        <p:cTn id="32" dur="500"/>
+                                        <p:tgtEl>
+                                          <p:spTgt spid="5">
+                                            <p:txEl>
+                                              <p:pRg st="5" end="5"/>
+                                            </p:txEl>
+                                          </p:spTgt>
+                                        </p:tgtEl>
+                                      </p:cBhvr>
+                                    </p:animEffect>
+                                  </p:childTnLst>
+                                </p:cTn>
+                              </p:par>
+                            </p:childTnLst>
+                          </p:cTn>
+                        </p:par>
+                      </p:childTnLst>
+                    </p:cTn>
+                  </p:par>
+                </p:childTnLst>
+              </p:cTn>
+              <p:prevCondLst>
+                <p:cond evt="onPrev" delay="0">
+                  <p:tgtEl>
+                    <p:sldTgt/>
+                  </p:tgtEl>
+                </p:cond>
+              </p:prevCondLst>
+              <p:nextCondLst>
+                <p:cond evt="onNext" delay="0">
+                  <p:tgtEl>
+                    <p:sldTgt/>
+                  </p:tgtEl>
+                </p:cond>
+              </p:nextCondLst>
+            </p:seq>
+          </p:childTnLst>
+        </p:cTn>
+      </p:par>
+    </p:tnLst>
+    <p:bldLst>
+      <p:bldP spid="5" grpId="0" uiExpand="1" build="p" bldLvl="4"/>
+    </p:bldLst>
+  </p:timing>
+</p:sld>
+</file>
+
+<file path=ppt/slides/slide11.xml><?xml version="1.0" encoding="utf-8"?>
+<p:sld xmlns:a="http://schemas.openxmlformats.org/drawingml/2006/main" xmlns:r="http://schemas.openxmlformats.org/officeDocument/2006/relationships" xmlns:p="http://schemas.openxmlformats.org/presentationml/2006/main">
+  <p:cSld>
+    <p:spTree>
+      <p:nvGrpSpPr>
+        <p:cNvPr id="1" name=""/>
+        <p:cNvGrpSpPr/>
+        <p:nvPr/>
+      </p:nvGrpSpPr>
+      <p:grpSpPr>
+        <a:xfrm>
+          <a:off x="0" y="0"/>
+          <a:ext cx="0" cy="0"/>
+          <a:chOff x="0" y="0"/>
+          <a:chExt cx="0" cy="0"/>
+        </a:xfrm>
+      </p:grpSpPr>
+      <p:sp>
+        <p:nvSpPr>
+          <p:cNvPr id="2" name="Title 1"/>
+          <p:cNvSpPr>
+            <a:spLocks noGrp="1"/>
+          </p:cNvSpPr>
+          <p:nvPr>
+            <p:ph type="title"/>
+          </p:nvPr>
+        </p:nvSpPr>
+        <p:spPr>
+          <a:xfrm>
             <a:off x="552450" y="320676"/>
             <a:ext cx="10801350" cy="957140"/>
           </a:xfrm>
@@ -4118,6 +4866,35 @@
               <a:rPr lang="en-US" sz="2000" dirty="0"/>
               <a:t>Hierarchies (city/county/state, second/minute/hour/days)</a:t>
             </a:r>
+          </a:p>
+        </p:txBody>
+      </p:sp>
+      <p:sp>
+        <p:nvSpPr>
+          <p:cNvPr id="4" name="Slide Number Placeholder 3">
+            <a:extLst>
+              <a:ext uri="{FF2B5EF4-FFF2-40B4-BE49-F238E27FC236}">
+                <a16:creationId xmlns:a16="http://schemas.microsoft.com/office/drawing/2014/main" id="{6595B919-0985-CA47-92F6-4ED41B98CB61}"/>
+              </a:ext>
+            </a:extLst>
+          </p:cNvPr>
+          <p:cNvSpPr>
+            <a:spLocks noGrp="1"/>
+          </p:cNvSpPr>
+          <p:nvPr>
+            <p:ph type="sldNum" sz="quarter" idx="12"/>
+          </p:nvPr>
+        </p:nvSpPr>
+        <p:spPr/>
+        <p:txBody>
+          <a:bodyPr/>
+          <a:lstStyle/>
+          <a:p>
+            <a:fld id="{934C0642-4071-7D48-AFF8-BD27182896CC}" type="slidenum">
+              <a:rPr lang="en-US" smtClean="0"/>
+              <a:t>11</a:t>
+            </a:fld>
+            <a:endParaRPr lang="en-US"/>
           </a:p>
         </p:txBody>
       </p:sp>
@@ -4755,162 +5532,6 @@
 </p:sld>
 </file>
 
-<file path=ppt/slides/slide11.xml><?xml version="1.0" encoding="utf-8"?>
-<p:sld xmlns:a="http://schemas.openxmlformats.org/drawingml/2006/main" xmlns:r="http://schemas.openxmlformats.org/officeDocument/2006/relationships" xmlns:p="http://schemas.openxmlformats.org/presentationml/2006/main">
-  <p:cSld>
-    <p:spTree>
-      <p:nvGrpSpPr>
-        <p:cNvPr id="1" name=""/>
-        <p:cNvGrpSpPr/>
-        <p:nvPr/>
-      </p:nvGrpSpPr>
-      <p:grpSpPr>
-        <a:xfrm>
-          <a:off x="0" y="0"/>
-          <a:ext cx="0" cy="0"/>
-          <a:chOff x="0" y="0"/>
-          <a:chExt cx="0" cy="0"/>
-        </a:xfrm>
-      </p:grpSpPr>
-      <p:sp>
-        <p:nvSpPr>
-          <p:cNvPr id="2" name="Title 1">
-            <a:extLst>
-              <a:ext uri="{FF2B5EF4-FFF2-40B4-BE49-F238E27FC236}">
-                <a16:creationId xmlns:a16="http://schemas.microsoft.com/office/drawing/2014/main" id="{7243B8D7-2DBD-BC45-BB9B-D12C3B6D524A}"/>
-              </a:ext>
-            </a:extLst>
-          </p:cNvPr>
-          <p:cNvSpPr>
-            <a:spLocks noGrp="1"/>
-          </p:cNvSpPr>
-          <p:nvPr>
-            <p:ph type="title"/>
-          </p:nvPr>
-        </p:nvSpPr>
-        <p:spPr/>
-        <p:txBody>
-          <a:bodyPr/>
-          <a:lstStyle/>
-          <a:p>
-            <a:r>
-              <a:rPr lang="en-US" dirty="0"/>
-              <a:t>Scope</a:t>
-            </a:r>
-          </a:p>
-        </p:txBody>
-      </p:sp>
-      <p:sp>
-        <p:nvSpPr>
-          <p:cNvPr id="3" name="Content Placeholder 2">
-            <a:extLst>
-              <a:ext uri="{FF2B5EF4-FFF2-40B4-BE49-F238E27FC236}">
-                <a16:creationId xmlns:a16="http://schemas.microsoft.com/office/drawing/2014/main" id="{5796EC1B-A283-6946-887F-000035B661D1}"/>
-              </a:ext>
-            </a:extLst>
-          </p:cNvPr>
-          <p:cNvSpPr>
-            <a:spLocks noGrp="1"/>
-          </p:cNvSpPr>
-          <p:nvPr>
-            <p:ph idx="1"/>
-          </p:nvPr>
-        </p:nvSpPr>
-        <p:spPr/>
-        <p:txBody>
-          <a:bodyPr/>
-          <a:lstStyle/>
-          <a:p>
-            <a:r>
-              <a:rPr lang="en-US" dirty="0"/>
-              <a:t>Does the data cover the topic of interest?</a:t>
-            </a:r>
-          </a:p>
-          <a:p>
-            <a:pPr lvl="1"/>
-            <a:r>
-              <a:rPr lang="en-US" dirty="0"/>
-              <a:t>Subset of a population?</a:t>
-            </a:r>
-          </a:p>
-          <a:p>
-            <a:pPr lvl="1"/>
-            <a:r>
-              <a:rPr lang="en-US" dirty="0"/>
-              <a:t>Specific range in time</a:t>
-            </a:r>
-          </a:p>
-          <a:p>
-            <a:pPr lvl="1"/>
-            <a:r>
-              <a:rPr lang="en-US" dirty="0"/>
-              <a:t>Specific location</a:t>
-            </a:r>
-          </a:p>
-          <a:p>
-            <a:r>
-              <a:rPr lang="en-US" dirty="0"/>
-              <a:t>How complete are the data?  </a:t>
-            </a:r>
-          </a:p>
-          <a:p>
-            <a:pPr lvl="1"/>
-            <a:r>
-              <a:rPr lang="en-US" dirty="0"/>
-              <a:t>Are countries missing?</a:t>
-            </a:r>
-          </a:p>
-          <a:p>
-            <a:pPr lvl="1"/>
-            <a:r>
-              <a:rPr lang="en-US" dirty="0"/>
-              <a:t>Are periods of time missing?</a:t>
-            </a:r>
-          </a:p>
-        </p:txBody>
-      </p:sp>
-      <p:sp>
-        <p:nvSpPr>
-          <p:cNvPr id="4" name="Slide Number Placeholder 3">
-            <a:extLst>
-              <a:ext uri="{FF2B5EF4-FFF2-40B4-BE49-F238E27FC236}">
-                <a16:creationId xmlns:a16="http://schemas.microsoft.com/office/drawing/2014/main" id="{3F77C02E-8FD9-CC47-A299-B841E6EE56D9}"/>
-              </a:ext>
-            </a:extLst>
-          </p:cNvPr>
-          <p:cNvSpPr>
-            <a:spLocks noGrp="1"/>
-          </p:cNvSpPr>
-          <p:nvPr>
-            <p:ph type="sldNum" sz="quarter" idx="12"/>
-          </p:nvPr>
-        </p:nvSpPr>
-        <p:spPr/>
-        <p:txBody>
-          <a:bodyPr/>
-          <a:lstStyle/>
-          <a:p>
-            <a:fld id="{934C0642-4071-7D48-AFF8-BD27182896CC}" type="slidenum">
-              <a:rPr lang="en-US" smtClean="0"/>
-              <a:t>11</a:t>
-            </a:fld>
-            <a:endParaRPr lang="en-US"/>
-          </a:p>
-        </p:txBody>
-      </p:sp>
-    </p:spTree>
-    <p:extLst>
-      <p:ext uri="{BB962C8B-B14F-4D97-AF65-F5344CB8AC3E}">
-        <p14:creationId xmlns:p14="http://schemas.microsoft.com/office/powerpoint/2010/main" val="919242191"/>
-      </p:ext>
-    </p:extLst>
-  </p:cSld>
-  <p:clrMapOvr>
-    <a:masterClrMapping/>
-  </p:clrMapOvr>
-</p:sld>
-</file>
-
 <file path=ppt/slides/slide12.xml><?xml version="1.0" encoding="utf-8"?>
 <p:sld xmlns:a="http://schemas.openxmlformats.org/drawingml/2006/main" xmlns:r="http://schemas.openxmlformats.org/officeDocument/2006/relationships" xmlns:p="http://schemas.openxmlformats.org/presentationml/2006/main">
   <p:cSld>
@@ -4933,7 +5554,7 @@
           <p:cNvPr id="2" name="Title 1">
             <a:extLst>
               <a:ext uri="{FF2B5EF4-FFF2-40B4-BE49-F238E27FC236}">
-                <a16:creationId xmlns:a16="http://schemas.microsoft.com/office/drawing/2014/main" id="{431828DF-E3BE-6D44-AC0A-8AED086BC300}"/>
+                <a16:creationId xmlns:a16="http://schemas.microsoft.com/office/drawing/2014/main" id="{7243B8D7-2DBD-BC45-BB9B-D12C3B6D524A}"/>
               </a:ext>
             </a:extLst>
           </p:cNvPr>
@@ -4951,7 +5572,7 @@
           <a:p>
             <a:r>
               <a:rPr lang="en-US" dirty="0"/>
-              <a:t>Temporality</a:t>
+              <a:t>Scope</a:t>
             </a:r>
           </a:p>
         </p:txBody>
@@ -4961,7 +5582,7 @@
           <p:cNvPr id="3" name="Content Placeholder 2">
             <a:extLst>
               <a:ext uri="{FF2B5EF4-FFF2-40B4-BE49-F238E27FC236}">
-                <a16:creationId xmlns:a16="http://schemas.microsoft.com/office/drawing/2014/main" id="{B9B31E72-C639-704B-B53E-8EA1202214A5}"/>
+                <a16:creationId xmlns:a16="http://schemas.microsoft.com/office/drawing/2014/main" id="{5796EC1B-A283-6946-887F-000035B661D1}"/>
               </a:ext>
             </a:extLst>
           </p:cNvPr>
@@ -4979,26 +5600,48 @@
           <a:p>
             <a:r>
               <a:rPr lang="en-US" dirty="0"/>
-              <a:t>What is the meaning of the date and time fields in the dataset?</a:t>
+              <a:t>Does the data cover the topic of interest?</a:t>
             </a:r>
           </a:p>
           <a:p>
             <a:pPr lvl="1"/>
             <a:r>
               <a:rPr lang="en-US" dirty="0"/>
-              <a:t>Beware of time zones, daylight savings!</a:t>
-            </a:r>
-          </a:p>
-          <a:p>
-            <a:r>
-              <a:rPr lang="en-US" dirty="0"/>
-              <a:t>What representation do the date and time fields have in the data?</a:t>
-            </a:r>
-          </a:p>
-          <a:p>
-            <a:r>
-              <a:rPr lang="en-US" dirty="0"/>
-              <a:t>Are there strange timestamps that might represent null values?</a:t>
+              <a:t>Subset of a population?</a:t>
+            </a:r>
+          </a:p>
+          <a:p>
+            <a:pPr lvl="1"/>
+            <a:r>
+              <a:rPr lang="en-US" dirty="0"/>
+              <a:t>Specific range in time</a:t>
+            </a:r>
+          </a:p>
+          <a:p>
+            <a:pPr lvl="1"/>
+            <a:r>
+              <a:rPr lang="en-US" dirty="0"/>
+              <a:t>Specific location</a:t>
+            </a:r>
+          </a:p>
+          <a:p>
+            <a:r>
+              <a:rPr lang="en-US" dirty="0"/>
+              <a:t>How complete are the data?  </a:t>
+            </a:r>
+          </a:p>
+          <a:p>
+            <a:pPr lvl="1"/>
+            <a:r>
+              <a:rPr lang="en-US" dirty="0"/>
+              <a:t>Are countries missing?</a:t>
+            </a:r>
+          </a:p>
+          <a:p>
+            <a:pPr lvl="1"/>
+            <a:r>
+              <a:rPr lang="en-US" dirty="0"/>
+              <a:t>Are periods of time missing?</a:t>
             </a:r>
           </a:p>
         </p:txBody>
@@ -5008,7 +5651,7 @@
           <p:cNvPr id="4" name="Slide Number Placeholder 3">
             <a:extLst>
               <a:ext uri="{FF2B5EF4-FFF2-40B4-BE49-F238E27FC236}">
-                <a16:creationId xmlns:a16="http://schemas.microsoft.com/office/drawing/2014/main" id="{797A20A1-58A1-4B49-8A94-FE04353BFD99}"/>
+                <a16:creationId xmlns:a16="http://schemas.microsoft.com/office/drawing/2014/main" id="{3F77C02E-8FD9-CC47-A299-B841E6EE56D9}"/>
               </a:ext>
             </a:extLst>
           </p:cNvPr>
@@ -5035,7 +5678,7 @@
     </p:spTree>
     <p:extLst>
       <p:ext uri="{BB962C8B-B14F-4D97-AF65-F5344CB8AC3E}">
-        <p14:creationId xmlns:p14="http://schemas.microsoft.com/office/powerpoint/2010/main" val="3978360568"/>
+        <p14:creationId xmlns:p14="http://schemas.microsoft.com/office/powerpoint/2010/main" val="919242191"/>
       </p:ext>
     </p:extLst>
   </p:cSld>
@@ -5067,7 +5710,7 @@
           <p:cNvPr id="2" name="Title 1">
             <a:extLst>
               <a:ext uri="{FF2B5EF4-FFF2-40B4-BE49-F238E27FC236}">
-                <a16:creationId xmlns:a16="http://schemas.microsoft.com/office/drawing/2014/main" id="{8DE23C67-BF27-4140-8271-578D18DEE8DF}"/>
+                <a16:creationId xmlns:a16="http://schemas.microsoft.com/office/drawing/2014/main" id="{431828DF-E3BE-6D44-AC0A-8AED086BC300}"/>
               </a:ext>
             </a:extLst>
           </p:cNvPr>
@@ -5085,7 +5728,7 @@
           <a:p>
             <a:r>
               <a:rPr lang="en-US" dirty="0"/>
-              <a:t>Faithfulness</a:t>
+              <a:t>Temporality</a:t>
             </a:r>
           </a:p>
         </p:txBody>
@@ -5095,7 +5738,7 @@
           <p:cNvPr id="3" name="Content Placeholder 2">
             <a:extLst>
               <a:ext uri="{FF2B5EF4-FFF2-40B4-BE49-F238E27FC236}">
-                <a16:creationId xmlns:a16="http://schemas.microsoft.com/office/drawing/2014/main" id="{54D112F6-EA49-EB4F-9569-A92A0090C01F}"/>
+                <a16:creationId xmlns:a16="http://schemas.microsoft.com/office/drawing/2014/main" id="{B9B31E72-C639-704B-B53E-8EA1202214A5}"/>
               </a:ext>
             </a:extLst>
           </p:cNvPr>
@@ -5108,72 +5751,32 @@
         </p:nvSpPr>
         <p:spPr/>
         <p:txBody>
-          <a:bodyPr>
-            <a:normAutofit/>
-          </a:bodyPr>
-          <a:lstStyle/>
-          <a:p>
-            <a:r>
-              <a:rPr lang="en-US" dirty="0"/>
-              <a:t>Unrealistic or incorrect values</a:t>
-            </a:r>
-          </a:p>
-          <a:p>
-            <a:r>
-              <a:rPr lang="en-US" dirty="0"/>
-              <a:t>Violations of obvious dependencies</a:t>
+          <a:bodyPr/>
+          <a:lstStyle/>
+          <a:p>
+            <a:r>
+              <a:rPr lang="en-US" dirty="0"/>
+              <a:t>What is the meaning of the date and time fields in the dataset?</a:t>
             </a:r>
           </a:p>
           <a:p>
             <a:pPr lvl="1"/>
             <a:r>
               <a:rPr lang="en-US" dirty="0"/>
-              <a:t>E.g. age and birthday for individuals don’t match</a:t>
-            </a:r>
-          </a:p>
-          <a:p>
-            <a:pPr lvl="1"/>
-            <a:r>
-              <a:rPr lang="en-US" dirty="0"/>
-              <a:t>E.g. sorting by record ID gives different result than sorting by time in </a:t>
-            </a:r>
-            <a:r>
-              <a:rPr lang="en-US" dirty="0" err="1"/>
-              <a:t>PurpleAir</a:t>
-            </a:r>
-            <a:r>
-              <a:rPr lang="en-US" dirty="0"/>
-              <a:t> data</a:t>
-            </a:r>
-          </a:p>
-          <a:p>
-            <a:r>
-              <a:rPr lang="en-US" dirty="0"/>
-              <a:t>Hand-entered data?</a:t>
-            </a:r>
-          </a:p>
-          <a:p>
-            <a:pPr lvl="1"/>
-            <a:r>
-              <a:rPr lang="en-US" dirty="0"/>
-              <a:t>Spelling errors, etc.  </a:t>
-            </a:r>
-          </a:p>
-          <a:p>
-            <a:r>
-              <a:rPr lang="en-US" dirty="0"/>
-              <a:t>Clear signs of falsified data</a:t>
-            </a:r>
-          </a:p>
-          <a:p>
-            <a:pPr lvl="1"/>
-            <a:r>
-              <a:rPr lang="en-US" dirty="0"/>
-              <a:t>E.g. repeated names, fake looking email addresses, or repeated use of uncommon names or fields.</a:t>
-            </a:r>
-          </a:p>
-          <a:p>
-            <a:endParaRPr lang="en-US" dirty="0"/>
+              <a:t>Beware of time zones, daylight savings!</a:t>
+            </a:r>
+          </a:p>
+          <a:p>
+            <a:r>
+              <a:rPr lang="en-US" dirty="0"/>
+              <a:t>What representation do the date and time fields have in the data?</a:t>
+            </a:r>
+          </a:p>
+          <a:p>
+            <a:r>
+              <a:rPr lang="en-US" dirty="0"/>
+              <a:t>Are there strange timestamps that might represent null values?</a:t>
+            </a:r>
           </a:p>
         </p:txBody>
       </p:sp>
@@ -5182,7 +5785,7 @@
           <p:cNvPr id="4" name="Slide Number Placeholder 3">
             <a:extLst>
               <a:ext uri="{FF2B5EF4-FFF2-40B4-BE49-F238E27FC236}">
-                <a16:creationId xmlns:a16="http://schemas.microsoft.com/office/drawing/2014/main" id="{8591155A-F6E2-D14A-B101-93D2B75D05E3}"/>
+                <a16:creationId xmlns:a16="http://schemas.microsoft.com/office/drawing/2014/main" id="{797A20A1-58A1-4B49-8A94-FE04353BFD99}"/>
               </a:ext>
             </a:extLst>
           </p:cNvPr>
@@ -5209,7 +5812,7 @@
     </p:spTree>
     <p:extLst>
       <p:ext uri="{BB962C8B-B14F-4D97-AF65-F5344CB8AC3E}">
-        <p14:creationId xmlns:p14="http://schemas.microsoft.com/office/powerpoint/2010/main" val="2260340869"/>
+        <p14:creationId xmlns:p14="http://schemas.microsoft.com/office/powerpoint/2010/main" val="3978360568"/>
       </p:ext>
     </p:extLst>
   </p:cSld>
@@ -5238,6 +5841,180 @@
       </p:grpSpPr>
       <p:sp>
         <p:nvSpPr>
+          <p:cNvPr id="2" name="Title 1">
+            <a:extLst>
+              <a:ext uri="{FF2B5EF4-FFF2-40B4-BE49-F238E27FC236}">
+                <a16:creationId xmlns:a16="http://schemas.microsoft.com/office/drawing/2014/main" id="{8DE23C67-BF27-4140-8271-578D18DEE8DF}"/>
+              </a:ext>
+            </a:extLst>
+          </p:cNvPr>
+          <p:cNvSpPr>
+            <a:spLocks noGrp="1"/>
+          </p:cNvSpPr>
+          <p:nvPr>
+            <p:ph type="title"/>
+          </p:nvPr>
+        </p:nvSpPr>
+        <p:spPr/>
+        <p:txBody>
+          <a:bodyPr/>
+          <a:lstStyle/>
+          <a:p>
+            <a:r>
+              <a:rPr lang="en-US" dirty="0"/>
+              <a:t>Faithfulness</a:t>
+            </a:r>
+          </a:p>
+        </p:txBody>
+      </p:sp>
+      <p:sp>
+        <p:nvSpPr>
+          <p:cNvPr id="3" name="Content Placeholder 2">
+            <a:extLst>
+              <a:ext uri="{FF2B5EF4-FFF2-40B4-BE49-F238E27FC236}">
+                <a16:creationId xmlns:a16="http://schemas.microsoft.com/office/drawing/2014/main" id="{54D112F6-EA49-EB4F-9569-A92A0090C01F}"/>
+              </a:ext>
+            </a:extLst>
+          </p:cNvPr>
+          <p:cNvSpPr>
+            <a:spLocks noGrp="1"/>
+          </p:cNvSpPr>
+          <p:nvPr>
+            <p:ph idx="1"/>
+          </p:nvPr>
+        </p:nvSpPr>
+        <p:spPr/>
+        <p:txBody>
+          <a:bodyPr>
+            <a:normAutofit/>
+          </a:bodyPr>
+          <a:lstStyle/>
+          <a:p>
+            <a:r>
+              <a:rPr lang="en-US" dirty="0"/>
+              <a:t>Unrealistic or incorrect values</a:t>
+            </a:r>
+          </a:p>
+          <a:p>
+            <a:r>
+              <a:rPr lang="en-US" dirty="0"/>
+              <a:t>Violations of obvious dependencies</a:t>
+            </a:r>
+          </a:p>
+          <a:p>
+            <a:pPr lvl="1"/>
+            <a:r>
+              <a:rPr lang="en-US" dirty="0"/>
+              <a:t>E.g. age and birthday for individuals don’t match</a:t>
+            </a:r>
+          </a:p>
+          <a:p>
+            <a:pPr lvl="1"/>
+            <a:r>
+              <a:rPr lang="en-US" dirty="0"/>
+              <a:t>E.g. sorting by record ID gives different result than sorting by time in </a:t>
+            </a:r>
+            <a:r>
+              <a:rPr lang="en-US" dirty="0" err="1"/>
+              <a:t>PurpleAir</a:t>
+            </a:r>
+            <a:r>
+              <a:rPr lang="en-US" dirty="0"/>
+              <a:t> data</a:t>
+            </a:r>
+          </a:p>
+          <a:p>
+            <a:r>
+              <a:rPr lang="en-US" dirty="0"/>
+              <a:t>Hand-entered data?</a:t>
+            </a:r>
+          </a:p>
+          <a:p>
+            <a:pPr lvl="1"/>
+            <a:r>
+              <a:rPr lang="en-US" dirty="0"/>
+              <a:t>Spelling errors, etc.  </a:t>
+            </a:r>
+          </a:p>
+          <a:p>
+            <a:r>
+              <a:rPr lang="en-US" dirty="0"/>
+              <a:t>Clear signs of falsified data</a:t>
+            </a:r>
+          </a:p>
+          <a:p>
+            <a:pPr lvl="1"/>
+            <a:r>
+              <a:rPr lang="en-US" dirty="0"/>
+              <a:t>E.g. repeated names, fake looking email addresses, or repeated use of uncommon names or fields.</a:t>
+            </a:r>
+          </a:p>
+          <a:p>
+            <a:endParaRPr lang="en-US" dirty="0"/>
+          </a:p>
+        </p:txBody>
+      </p:sp>
+      <p:sp>
+        <p:nvSpPr>
+          <p:cNvPr id="4" name="Slide Number Placeholder 3">
+            <a:extLst>
+              <a:ext uri="{FF2B5EF4-FFF2-40B4-BE49-F238E27FC236}">
+                <a16:creationId xmlns:a16="http://schemas.microsoft.com/office/drawing/2014/main" id="{8591155A-F6E2-D14A-B101-93D2B75D05E3}"/>
+              </a:ext>
+            </a:extLst>
+          </p:cNvPr>
+          <p:cNvSpPr>
+            <a:spLocks noGrp="1"/>
+          </p:cNvSpPr>
+          <p:nvPr>
+            <p:ph type="sldNum" sz="quarter" idx="12"/>
+          </p:nvPr>
+        </p:nvSpPr>
+        <p:spPr/>
+        <p:txBody>
+          <a:bodyPr/>
+          <a:lstStyle/>
+          <a:p>
+            <a:fld id="{934C0642-4071-7D48-AFF8-BD27182896CC}" type="slidenum">
+              <a:rPr lang="en-US" smtClean="0"/>
+              <a:t>14</a:t>
+            </a:fld>
+            <a:endParaRPr lang="en-US"/>
+          </a:p>
+        </p:txBody>
+      </p:sp>
+    </p:spTree>
+    <p:extLst>
+      <p:ext uri="{BB962C8B-B14F-4D97-AF65-F5344CB8AC3E}">
+        <p14:creationId xmlns:p14="http://schemas.microsoft.com/office/powerpoint/2010/main" val="2260340869"/>
+      </p:ext>
+    </p:extLst>
+  </p:cSld>
+  <p:clrMapOvr>
+    <a:masterClrMapping/>
+  </p:clrMapOvr>
+</p:sld>
+</file>
+
+<file path=ppt/slides/slide15.xml><?xml version="1.0" encoding="utf-8"?>
+<p:sld xmlns:a="http://schemas.openxmlformats.org/drawingml/2006/main" xmlns:r="http://schemas.openxmlformats.org/officeDocument/2006/relationships" xmlns:p="http://schemas.openxmlformats.org/presentationml/2006/main">
+  <p:cSld>
+    <p:spTree>
+      <p:nvGrpSpPr>
+        <p:cNvPr id="1" name=""/>
+        <p:cNvGrpSpPr/>
+        <p:nvPr/>
+      </p:nvGrpSpPr>
+      <p:grpSpPr>
+        <a:xfrm>
+          <a:off x="0" y="0"/>
+          <a:ext cx="0" cy="0"/>
+          <a:chOff x="0" y="0"/>
+          <a:chExt cx="0" cy="0"/>
+        </a:xfrm>
+      </p:grpSpPr>
+      <p:sp>
+        <p:nvSpPr>
           <p:cNvPr id="2" name="Title 1"/>
           <p:cNvSpPr>
             <a:spLocks noGrp="1"/>
@@ -5393,6 +6170,35 @@
           </a:p>
           <a:p>
             <a:endParaRPr lang="en-US" dirty="0"/>
+          </a:p>
+        </p:txBody>
+      </p:sp>
+      <p:sp>
+        <p:nvSpPr>
+          <p:cNvPr id="3" name="Slide Number Placeholder 2">
+            <a:extLst>
+              <a:ext uri="{FF2B5EF4-FFF2-40B4-BE49-F238E27FC236}">
+                <a16:creationId xmlns:a16="http://schemas.microsoft.com/office/drawing/2014/main" id="{66832ADF-5DCD-264D-B25B-3B9ABFF57AA2}"/>
+              </a:ext>
+            </a:extLst>
+          </p:cNvPr>
+          <p:cNvSpPr>
+            <a:spLocks noGrp="1"/>
+          </p:cNvSpPr>
+          <p:nvPr>
+            <p:ph type="sldNum" sz="quarter" idx="12"/>
+          </p:nvPr>
+        </p:nvSpPr>
+        <p:spPr/>
+        <p:txBody>
+          <a:bodyPr/>
+          <a:lstStyle/>
+          <a:p>
+            <a:fld id="{934C0642-4071-7D48-AFF8-BD27182896CC}" type="slidenum">
+              <a:rPr lang="en-US" smtClean="0"/>
+              <a:t>15</a:t>
+            </a:fld>
+            <a:endParaRPr lang="en-US"/>
           </a:p>
         </p:txBody>
       </p:sp>
@@ -6120,126 +6926,6 @@
 </p:sld>
 </file>
 
-<file path=ppt/slides/slide15.xml><?xml version="1.0" encoding="utf-8"?>
-<p:sld xmlns:a="http://schemas.openxmlformats.org/drawingml/2006/main" xmlns:r="http://schemas.openxmlformats.org/officeDocument/2006/relationships" xmlns:p="http://schemas.openxmlformats.org/presentationml/2006/main">
-  <p:cSld>
-    <p:spTree>
-      <p:nvGrpSpPr>
-        <p:cNvPr id="1" name=""/>
-        <p:cNvGrpSpPr/>
-        <p:nvPr/>
-      </p:nvGrpSpPr>
-      <p:grpSpPr>
-        <a:xfrm>
-          <a:off x="0" y="0"/>
-          <a:ext cx="0" cy="0"/>
-          <a:chOff x="0" y="0"/>
-          <a:chExt cx="0" cy="0"/>
-        </a:xfrm>
-      </p:grpSpPr>
-      <p:sp>
-        <p:nvSpPr>
-          <p:cNvPr id="2" name="Title 1">
-            <a:extLst>
-              <a:ext uri="{FF2B5EF4-FFF2-40B4-BE49-F238E27FC236}">
-                <a16:creationId xmlns:a16="http://schemas.microsoft.com/office/drawing/2014/main" id="{24703B2A-ADAB-8B46-8558-22E2D604C5A5}"/>
-              </a:ext>
-            </a:extLst>
-          </p:cNvPr>
-          <p:cNvSpPr>
-            <a:spLocks noGrp="1"/>
-          </p:cNvSpPr>
-          <p:nvPr>
-            <p:ph type="title"/>
-          </p:nvPr>
-        </p:nvSpPr>
-        <p:spPr/>
-        <p:txBody>
-          <a:bodyPr/>
-          <a:lstStyle/>
-          <a:p>
-            <a:r>
-              <a:rPr lang="en-US" dirty="0"/>
-              <a:t>Reading: </a:t>
-            </a:r>
-            <a:r>
-              <a:rPr lang="en-US" dirty="0" err="1"/>
-              <a:t>Goldemberg</a:t>
-            </a:r>
-            <a:r>
-              <a:rPr lang="en-US" dirty="0"/>
-              <a:t> et al</a:t>
-            </a:r>
-          </a:p>
-        </p:txBody>
-      </p:sp>
-      <p:sp>
-        <p:nvSpPr>
-          <p:cNvPr id="3" name="Content Placeholder 2">
-            <a:extLst>
-              <a:ext uri="{FF2B5EF4-FFF2-40B4-BE49-F238E27FC236}">
-                <a16:creationId xmlns:a16="http://schemas.microsoft.com/office/drawing/2014/main" id="{D3CBDB0F-0264-6C43-B2DC-B14EC85AF773}"/>
-              </a:ext>
-            </a:extLst>
-          </p:cNvPr>
-          <p:cNvSpPr>
-            <a:spLocks noGrp="1"/>
-          </p:cNvSpPr>
-          <p:nvPr>
-            <p:ph idx="1"/>
-          </p:nvPr>
-        </p:nvSpPr>
-        <p:spPr/>
-        <p:txBody>
-          <a:bodyPr/>
-          <a:lstStyle/>
-          <a:p>
-            <a:endParaRPr lang="en-US"/>
-          </a:p>
-        </p:txBody>
-      </p:sp>
-      <p:sp>
-        <p:nvSpPr>
-          <p:cNvPr id="4" name="Slide Number Placeholder 3">
-            <a:extLst>
-              <a:ext uri="{FF2B5EF4-FFF2-40B4-BE49-F238E27FC236}">
-                <a16:creationId xmlns:a16="http://schemas.microsoft.com/office/drawing/2014/main" id="{4A44B766-8703-E348-AC15-3AE7118BA588}"/>
-              </a:ext>
-            </a:extLst>
-          </p:cNvPr>
-          <p:cNvSpPr>
-            <a:spLocks noGrp="1"/>
-          </p:cNvSpPr>
-          <p:nvPr>
-            <p:ph type="sldNum" sz="quarter" idx="12"/>
-          </p:nvPr>
-        </p:nvSpPr>
-        <p:spPr/>
-        <p:txBody>
-          <a:bodyPr/>
-          <a:lstStyle/>
-          <a:p>
-            <a:fld id="{934C0642-4071-7D48-AFF8-BD27182896CC}" type="slidenum">
-              <a:rPr lang="en-US" smtClean="0"/>
-              <a:t>15</a:t>
-            </a:fld>
-            <a:endParaRPr lang="en-US"/>
-          </a:p>
-        </p:txBody>
-      </p:sp>
-    </p:spTree>
-    <p:extLst>
-      <p:ext uri="{BB962C8B-B14F-4D97-AF65-F5344CB8AC3E}">
-        <p14:creationId xmlns:p14="http://schemas.microsoft.com/office/powerpoint/2010/main" val="1530646044"/>
-      </p:ext>
-    </p:extLst>
-  </p:cSld>
-  <p:clrMapOvr>
-    <a:masterClrMapping/>
-  </p:clrMapOvr>
-</p:sld>
-</file>
-
 <file path=ppt/slides/slide16.xml><?xml version="1.0" encoding="utf-8"?>
 <p:sld xmlns:a="http://schemas.openxmlformats.org/drawingml/2006/main" xmlns:r="http://schemas.openxmlformats.org/officeDocument/2006/relationships" xmlns:p="http://schemas.openxmlformats.org/presentationml/2006/main">
   <p:cSld>
@@ -6262,7 +6948,7 @@
           <p:cNvPr id="2" name="Title 1">
             <a:extLst>
               <a:ext uri="{FF2B5EF4-FFF2-40B4-BE49-F238E27FC236}">
-                <a16:creationId xmlns:a16="http://schemas.microsoft.com/office/drawing/2014/main" id="{97FE0588-4F3A-3B49-9974-A0463D1265B4}"/>
+                <a16:creationId xmlns:a16="http://schemas.microsoft.com/office/drawing/2014/main" id="{24703B2A-ADAB-8B46-8558-22E2D604C5A5}"/>
               </a:ext>
             </a:extLst>
           </p:cNvPr>
@@ -6273,78 +6959,53 @@
             <p:ph type="title"/>
           </p:nvPr>
         </p:nvSpPr>
+        <p:spPr>
+          <a:xfrm>
+            <a:off x="838200" y="2913453"/>
+            <a:ext cx="10515600" cy="1325563"/>
+          </a:xfrm>
+        </p:spPr>
+        <p:txBody>
+          <a:bodyPr/>
+          <a:lstStyle/>
+          <a:p>
+            <a:r>
+              <a:rPr lang="en-US" dirty="0"/>
+              <a:t>Reading: </a:t>
+            </a:r>
+            <a:r>
+              <a:rPr lang="en-US" dirty="0" err="1"/>
+              <a:t>Goldemberg</a:t>
+            </a:r>
+            <a:r>
+              <a:rPr lang="en-US" dirty="0"/>
+              <a:t> et al</a:t>
+            </a:r>
+          </a:p>
+        </p:txBody>
+      </p:sp>
+      <p:sp>
+        <p:nvSpPr>
+          <p:cNvPr id="3" name="Content Placeholder 2">
+            <a:extLst>
+              <a:ext uri="{FF2B5EF4-FFF2-40B4-BE49-F238E27FC236}">
+                <a16:creationId xmlns:a16="http://schemas.microsoft.com/office/drawing/2014/main" id="{D3CBDB0F-0264-6C43-B2DC-B14EC85AF773}"/>
+              </a:ext>
+            </a:extLst>
+          </p:cNvPr>
+          <p:cNvSpPr>
+            <a:spLocks noGrp="1"/>
+          </p:cNvSpPr>
+          <p:nvPr>
+            <p:ph idx="1"/>
+          </p:nvPr>
+        </p:nvSpPr>
         <p:spPr/>
         <p:txBody>
           <a:bodyPr/>
           <a:lstStyle/>
           <a:p>
-            <a:r>
-              <a:rPr lang="en-US" dirty="0"/>
-              <a:t>Warmup questions to discuss</a:t>
-            </a:r>
-          </a:p>
-        </p:txBody>
-      </p:sp>
-      <p:sp>
-        <p:nvSpPr>
-          <p:cNvPr id="3" name="Content Placeholder 2">
-            <a:extLst>
-              <a:ext uri="{FF2B5EF4-FFF2-40B4-BE49-F238E27FC236}">
-                <a16:creationId xmlns:a16="http://schemas.microsoft.com/office/drawing/2014/main" id="{227E71F5-AE6B-4649-B56C-17E3A683AF88}"/>
-              </a:ext>
-            </a:extLst>
-          </p:cNvPr>
-          <p:cNvSpPr>
-            <a:spLocks noGrp="1"/>
-          </p:cNvSpPr>
-          <p:nvPr>
-            <p:ph idx="1"/>
-          </p:nvPr>
-        </p:nvSpPr>
-        <p:spPr/>
-        <p:txBody>
-          <a:bodyPr>
-            <a:normAutofit/>
-          </a:bodyPr>
-          <a:lstStyle/>
-          <a:p>
-            <a:r>
-              <a:rPr lang="en-US" dirty="0"/>
-              <a:t>How does the Lorenz curve relate to the national dialog the U.S. had over the 99% vs. the 1% several years ago?</a:t>
-            </a:r>
-          </a:p>
-          <a:p>
-            <a:r>
-              <a:rPr lang="en-US" dirty="0"/>
-              <a:t>What details about global living conditions and income would we miss if we use GNP per capita data at the country level?</a:t>
-            </a:r>
-          </a:p>
-          <a:p>
-            <a:r>
-              <a:rPr lang="en-US" dirty="0"/>
-              <a:t>Figure 3.5 shows factors that describe living conditions in a country versus energy use.  </a:t>
-            </a:r>
-          </a:p>
-          <a:p>
-            <a:pPr lvl="1"/>
-            <a:r>
-              <a:rPr lang="en-US" dirty="0"/>
-              <a:t>What TOE on the x-axis on these plots?  </a:t>
-            </a:r>
-          </a:p>
-          <a:p>
-            <a:pPr lvl="1"/>
-            <a:r>
-              <a:rPr lang="en-US" dirty="0"/>
-              <a:t>What trends do the plots in Fig 3.5 describe?  </a:t>
-            </a:r>
-          </a:p>
-          <a:p>
-            <a:pPr lvl="1"/>
-            <a:r>
-              <a:rPr lang="en-US" dirty="0"/>
-              <a:t>What kinds of conclusions can you make from this plot?  What is your take on the ``1 TOE barrier``?</a:t>
-            </a:r>
+            <a:endParaRPr lang="en-US"/>
           </a:p>
         </p:txBody>
       </p:sp>
@@ -6353,7 +7014,7 @@
           <p:cNvPr id="4" name="Slide Number Placeholder 3">
             <a:extLst>
               <a:ext uri="{FF2B5EF4-FFF2-40B4-BE49-F238E27FC236}">
-                <a16:creationId xmlns:a16="http://schemas.microsoft.com/office/drawing/2014/main" id="{099EA370-7B56-9143-9328-2A2F6D7B0648}"/>
+                <a16:creationId xmlns:a16="http://schemas.microsoft.com/office/drawing/2014/main" id="{4A44B766-8703-E348-AC15-3AE7118BA588}"/>
               </a:ext>
             </a:extLst>
           </p:cNvPr>
@@ -6380,7 +7041,7 @@
     </p:spTree>
     <p:extLst>
       <p:ext uri="{BB962C8B-B14F-4D97-AF65-F5344CB8AC3E}">
-        <p14:creationId xmlns:p14="http://schemas.microsoft.com/office/powerpoint/2010/main" val="3807114728"/>
+        <p14:creationId xmlns:p14="http://schemas.microsoft.com/office/powerpoint/2010/main" val="1530646044"/>
       </p:ext>
     </p:extLst>
   </p:cSld>
@@ -6412,7 +7073,7 @@
           <p:cNvPr id="2" name="Title 1">
             <a:extLst>
               <a:ext uri="{FF2B5EF4-FFF2-40B4-BE49-F238E27FC236}">
-                <a16:creationId xmlns:a16="http://schemas.microsoft.com/office/drawing/2014/main" id="{D9751E0D-92BB-1D47-AF19-9D217912C1E9}"/>
+                <a16:creationId xmlns:a16="http://schemas.microsoft.com/office/drawing/2014/main" id="{97FE0588-4F3A-3B49-9974-A0463D1265B4}"/>
               </a:ext>
             </a:extLst>
           </p:cNvPr>
@@ -6430,7 +7091,7 @@
           <a:p>
             <a:r>
               <a:rPr lang="en-US" dirty="0"/>
-              <a:t>Quotes to discuss</a:t>
+              <a:t>Warmup questions to discuss</a:t>
             </a:r>
           </a:p>
         </p:txBody>
@@ -6440,7 +7101,7 @@
           <p:cNvPr id="3" name="Content Placeholder 2">
             <a:extLst>
               <a:ext uri="{FF2B5EF4-FFF2-40B4-BE49-F238E27FC236}">
-                <a16:creationId xmlns:a16="http://schemas.microsoft.com/office/drawing/2014/main" id="{47B7C47D-73D5-1E42-B55A-9C346ADB4E22}"/>
+                <a16:creationId xmlns:a16="http://schemas.microsoft.com/office/drawing/2014/main" id="{227E71F5-AE6B-4649-B56C-17E3A683AF88}"/>
               </a:ext>
             </a:extLst>
           </p:cNvPr>
@@ -6451,28 +7112,60 @@
             <p:ph idx="1"/>
           </p:nvPr>
         </p:nvSpPr>
-        <p:spPr/>
+        <p:spPr>
+          <a:xfrm>
+            <a:off x="838200" y="1543988"/>
+            <a:ext cx="10515600" cy="5051684"/>
+          </a:xfrm>
+        </p:spPr>
         <p:txBody>
           <a:bodyPr>
-            <a:normAutofit fontScale="92500" lnSpcReduction="10000"/>
+            <a:normAutofit lnSpcReduction="10000"/>
           </a:bodyPr>
           <a:lstStyle/>
           <a:p>
             <a:r>
               <a:rPr lang="en-US" dirty="0"/>
-              <a:t>“A low energy consumption is not, of course, the only cause of poverty and underdevelopment but it is a good proxy for many of its causes, such as poor education, bad health care and the hardship imposed on women and children.”</a:t>
-            </a:r>
-          </a:p>
-          <a:p>
-            <a:r>
-              <a:rPr lang="en-US" dirty="0"/>
-              <a:t>“Energy, in itself, is of little interest but it is an essential ingredient of socio- economic development and economic growth. The objective of the energy system is to provide energy services, for instance lighting, comfortable indoor temperature, refrigerated storage, transportation and appropriate temperatures for cooking.”</a:t>
-            </a:r>
-          </a:p>
-          <a:p>
-            <a:r>
-              <a:rPr lang="en-US" dirty="0"/>
-              <a:t>"This meant that there could be a 'delinking' between GOP growth and energy growth, which did in fact take place in the industrialized countries in the 1970s and 1980s”</a:t>
+              <a:t>Summarize your take on the paper: What’s it about, what did you learn?</a:t>
+            </a:r>
+          </a:p>
+          <a:p>
+            <a:r>
+              <a:rPr lang="en-US" dirty="0"/>
+              <a:t>What details about global living conditions and income would we miss if we use GNP per capita data at the country level?</a:t>
+            </a:r>
+          </a:p>
+          <a:p>
+            <a:r>
+              <a:rPr lang="en-US" dirty="0"/>
+              <a:t>How does the Lorenz curve relate to the national dialog the U.S. had over the 99% vs. the 1% several years ago?</a:t>
+            </a:r>
+          </a:p>
+          <a:p>
+            <a:r>
+              <a:rPr lang="en-US" dirty="0"/>
+              <a:t>Figure 3.5 shows factors that describe living conditions in a country versus energy use.  </a:t>
+            </a:r>
+          </a:p>
+          <a:p>
+            <a:pPr lvl="1"/>
+            <a:r>
+              <a:rPr lang="en-US" dirty="0"/>
+              <a:t>What is “TOE" on the x-axis on these plots?  </a:t>
+            </a:r>
+          </a:p>
+          <a:p>
+            <a:pPr lvl="1"/>
+            <a:r>
+              <a:rPr lang="en-US" dirty="0"/>
+              <a:t>What trends do the plots in Fig 3.5 describe?  </a:t>
+            </a:r>
+          </a:p>
+          <a:p>
+            <a:pPr lvl="1"/>
+            <a:r>
+              <a:rPr lang="en-US" dirty="0"/>
+              <a:t>What kinds of conclusions can you make from this plot?  What is your take on the ``1 TOE barrier``?</a:t>
             </a:r>
           </a:p>
         </p:txBody>
@@ -6482,7 +7175,7 @@
           <p:cNvPr id="4" name="Slide Number Placeholder 3">
             <a:extLst>
               <a:ext uri="{FF2B5EF4-FFF2-40B4-BE49-F238E27FC236}">
-                <a16:creationId xmlns:a16="http://schemas.microsoft.com/office/drawing/2014/main" id="{06F84629-E7F5-6540-B048-42582890B9C8}"/>
+                <a16:creationId xmlns:a16="http://schemas.microsoft.com/office/drawing/2014/main" id="{099EA370-7B56-9143-9328-2A2F6D7B0648}"/>
               </a:ext>
             </a:extLst>
           </p:cNvPr>
@@ -6509,7 +7202,7 @@
     </p:spTree>
     <p:extLst>
       <p:ext uri="{BB962C8B-B14F-4D97-AF65-F5344CB8AC3E}">
-        <p14:creationId xmlns:p14="http://schemas.microsoft.com/office/powerpoint/2010/main" val="3496387703"/>
+        <p14:creationId xmlns:p14="http://schemas.microsoft.com/office/powerpoint/2010/main" val="3807114728"/>
       </p:ext>
     </p:extLst>
   </p:cSld>
@@ -6541,7 +7234,7 @@
           <p:cNvPr id="2" name="Title 1">
             <a:extLst>
               <a:ext uri="{FF2B5EF4-FFF2-40B4-BE49-F238E27FC236}">
-                <a16:creationId xmlns:a16="http://schemas.microsoft.com/office/drawing/2014/main" id="{22BD9AC4-E580-3A4F-92C8-454863B05A18}"/>
+                <a16:creationId xmlns:a16="http://schemas.microsoft.com/office/drawing/2014/main" id="{D9751E0D-92BB-1D47-AF19-9D217912C1E9}"/>
               </a:ext>
             </a:extLst>
           </p:cNvPr>
@@ -6559,7 +7252,7 @@
           <a:p>
             <a:r>
               <a:rPr lang="en-US" dirty="0"/>
-              <a:t>Additional questions</a:t>
+              <a:t>Quotes to discuss</a:t>
             </a:r>
           </a:p>
         </p:txBody>
@@ -6569,7 +7262,7 @@
           <p:cNvPr id="3" name="Content Placeholder 2">
             <a:extLst>
               <a:ext uri="{FF2B5EF4-FFF2-40B4-BE49-F238E27FC236}">
-                <a16:creationId xmlns:a16="http://schemas.microsoft.com/office/drawing/2014/main" id="{4A68ABDD-B5D5-484E-89FE-143346D3D093}"/>
+                <a16:creationId xmlns:a16="http://schemas.microsoft.com/office/drawing/2014/main" id="{47B7C47D-73D5-1E42-B55A-9C346ADB4E22}"/>
               </a:ext>
             </a:extLst>
           </p:cNvPr>
@@ -6580,16 +7273,45 @@
             <p:ph idx="1"/>
           </p:nvPr>
         </p:nvSpPr>
-        <p:spPr/>
+        <p:spPr>
+          <a:xfrm>
+            <a:off x="838200" y="1364105"/>
+            <a:ext cx="10515600" cy="5357370"/>
+          </a:xfrm>
+        </p:spPr>
         <p:txBody>
           <a:bodyPr>
             <a:normAutofit/>
           </a:bodyPr>
           <a:lstStyle/>
           <a:p>
-            <a:r>
-              <a:rPr lang="en-US" dirty="0"/>
-              <a:t>Scope etc.  </a:t>
+            <a:pPr marL="514350" indent="-514350">
+              <a:buFont typeface="+mj-lt"/>
+              <a:buAutoNum type="arabicPeriod"/>
+            </a:pPr>
+            <a:r>
+              <a:rPr lang="en-US" dirty="0"/>
+              <a:t>“A low energy consumption is not, of course, the only cause of poverty and underdevelopment but it is a good proxy for many of its causes, such as poor education, bad health care and the hardship imposed on women and children.”</a:t>
+            </a:r>
+          </a:p>
+          <a:p>
+            <a:pPr marL="514350" indent="-514350">
+              <a:buFont typeface="+mj-lt"/>
+              <a:buAutoNum type="arabicPeriod"/>
+            </a:pPr>
+            <a:r>
+              <a:rPr lang="en-US" dirty="0"/>
+              <a:t>“Energy, in itself, is of little interest but it is an essential ingredient of socio- economic development and economic growth. The objective of the energy system is to provide energy services, for instance lighting, comfortable indoor temperature, refrigerated storage, transportation and appropriate temperatures for cooking.”</a:t>
+            </a:r>
+            <a:br>
+              <a:rPr lang="en-US" dirty="0"/>
+            </a:br>
+            <a:br>
+              <a:rPr lang="en-US" dirty="0"/>
+            </a:br>
+            <a:r>
+              <a:rPr lang="en-US" dirty="0"/>
+              <a:t>"This meant that there could be a 'delinking' between GDP growth and energy growth, which did in fact take place in the industrialized countries in the 1970s and 1980s”</a:t>
             </a:r>
           </a:p>
         </p:txBody>
@@ -6599,7 +7321,7 @@
           <p:cNvPr id="4" name="Slide Number Placeholder 3">
             <a:extLst>
               <a:ext uri="{FF2B5EF4-FFF2-40B4-BE49-F238E27FC236}">
-                <a16:creationId xmlns:a16="http://schemas.microsoft.com/office/drawing/2014/main" id="{6752E603-07ED-DD4C-A3FD-9AD7813A3CE3}"/>
+                <a16:creationId xmlns:a16="http://schemas.microsoft.com/office/drawing/2014/main" id="{06F84629-E7F5-6540-B048-42582890B9C8}"/>
               </a:ext>
             </a:extLst>
           </p:cNvPr>
@@ -6626,7 +7348,7 @@
     </p:spTree>
     <p:extLst>
       <p:ext uri="{BB962C8B-B14F-4D97-AF65-F5344CB8AC3E}">
-        <p14:creationId xmlns:p14="http://schemas.microsoft.com/office/powerpoint/2010/main" val="1376884351"/>
+        <p14:creationId xmlns:p14="http://schemas.microsoft.com/office/powerpoint/2010/main" val="3496387703"/>
       </p:ext>
     </p:extLst>
   </p:cSld>
@@ -6700,7 +7422,7 @@
         <p:spPr/>
         <p:txBody>
           <a:bodyPr>
-            <a:normAutofit/>
+            <a:normAutofit fontScale="92500" lnSpcReduction="10000"/>
           </a:bodyPr>
           <a:lstStyle/>
           <a:p>
@@ -6720,6 +7442,13 @@
             <a:r>
               <a:rPr lang="en-US" dirty="0"/>
               <a:t>Lab 3 due Friday, HW3 due next Tuesday.</a:t>
+            </a:r>
+          </a:p>
+          <a:p>
+            <a:pPr lvl="1"/>
+            <a:r>
+              <a:rPr lang="en-US" dirty="0"/>
+              <a:t>HW3 is long – longer than most will be.  </a:t>
             </a:r>
           </a:p>
           <a:p>
@@ -6751,14 +7480,14 @@
             <a:pPr lvl="2"/>
             <a:r>
               <a:rPr lang="en-US" dirty="0"/>
-              <a:t>DS100 Ch4 and 5</a:t>
+              <a:t>We will be using material from DS100 Ch4 and 5</a:t>
             </a:r>
           </a:p>
           <a:p>
             <a:pPr lvl="1"/>
             <a:r>
               <a:rPr lang="en-US" dirty="0"/>
-              <a:t>Thursday: DS100 Ch6 textbook</a:t>
+              <a:t>Thursday: DS100 Ch6 textbook (visualization)</a:t>
             </a:r>
           </a:p>
           <a:p>
@@ -6773,7 +7502,29 @@
             </a:r>
             <a:r>
               <a:rPr lang="en-US" dirty="0"/>
-              <a:t> 2016.</a:t>
+              <a:t> 2016.  See </a:t>
+            </a:r>
+            <a:r>
+              <a:rPr lang="en-US" dirty="0" err="1"/>
+              <a:t>README.md</a:t>
+            </a:r>
+            <a:r>
+              <a:rPr lang="en-US" dirty="0"/>
+              <a:t> for questions to focus on.</a:t>
+            </a:r>
+          </a:p>
+          <a:p>
+            <a:r>
+              <a:rPr lang="en-US" dirty="0"/>
+              <a:t>Next Tuesday: Josh </a:t>
+            </a:r>
+            <a:r>
+              <a:rPr lang="en-US" dirty="0" err="1"/>
+              <a:t>Apte</a:t>
+            </a:r>
+            <a:r>
+              <a:rPr lang="en-US" dirty="0"/>
+              <a:t>, UT Austin, will talk about his work on the health impacts of PM2.5.  </a:t>
             </a:r>
           </a:p>
           <a:p>
@@ -7756,6 +8507,35 @@
               <a:rPr lang="en-US" sz="2800" dirty="0"/>
               <a:t>Which is the best?</a:t>
             </a:r>
+          </a:p>
+        </p:txBody>
+      </p:sp>
+      <p:sp>
+        <p:nvSpPr>
+          <p:cNvPr id="2" name="Slide Number Placeholder 1">
+            <a:extLst>
+              <a:ext uri="{FF2B5EF4-FFF2-40B4-BE49-F238E27FC236}">
+                <a16:creationId xmlns:a16="http://schemas.microsoft.com/office/drawing/2014/main" id="{EB0C46F3-AB3F-0544-885F-BBDFB3EF6952}"/>
+              </a:ext>
+            </a:extLst>
+          </p:cNvPr>
+          <p:cNvSpPr>
+            <a:spLocks noGrp="1"/>
+          </p:cNvSpPr>
+          <p:nvPr>
+            <p:ph type="sldNum" sz="quarter" idx="12"/>
+          </p:nvPr>
+        </p:nvSpPr>
+        <p:spPr/>
+        <p:txBody>
+          <a:bodyPr/>
+          <a:lstStyle/>
+          <a:p>
+            <a:fld id="{934C0642-4071-7D48-AFF8-BD27182896CC}" type="slidenum">
+              <a:rPr lang="en-US" smtClean="0"/>
+              <a:t>7</a:t>
+            </a:fld>
+            <a:endParaRPr lang="en-US"/>
           </a:p>
         </p:txBody>
       </p:sp>
@@ -8134,40 +8914,50 @@
           <a:p>
             <a:r>
               <a:rPr lang="en-US" dirty="0"/>
-              <a:t>Issues?</a:t>
+              <a:t>Main issue?</a:t>
             </a:r>
           </a:p>
           <a:p>
             <a:pPr lvl="1"/>
             <a:r>
               <a:rPr lang="en-US" dirty="0"/>
-              <a:t>Commas, tabs </a:t>
+              <a:t>Some things that</a:t>
             </a:r>
             <a:br>
               <a:rPr lang="en-US" dirty="0"/>
             </a:br>
             <a:r>
               <a:rPr lang="en-US" dirty="0"/>
-              <a:t>in records</a:t>
-            </a:r>
-          </a:p>
-          <a:p>
-            <a:pPr lvl="1"/>
-            <a:r>
-              <a:rPr lang="en-US" dirty="0"/>
-              <a:t>Quoting</a:t>
-            </a:r>
-          </a:p>
-          <a:p>
-            <a:pPr lvl="1"/>
-            <a:r>
-              <a:rPr lang="en-US" dirty="0"/>
-              <a:t>…</a:t>
-            </a:r>
-          </a:p>
-          <a:p>
-            <a:pPr lvl="1"/>
-            <a:endParaRPr lang="en-US" dirty="0"/>
+              <a:t>are part of the record</a:t>
+            </a:r>
+            <a:br>
+              <a:rPr lang="en-US" dirty="0"/>
+            </a:br>
+            <a:r>
+              <a:rPr lang="en-US" dirty="0"/>
+              <a:t>get interpreted as </a:t>
+            </a:r>
+            <a:br>
+              <a:rPr lang="en-US" dirty="0"/>
+            </a:br>
+            <a:r>
+              <a:rPr lang="en-US" dirty="0"/>
+              <a:t>delimiters: </a:t>
+            </a:r>
+            <a:br>
+              <a:rPr lang="en-US" dirty="0"/>
+            </a:br>
+            <a:r>
+              <a:rPr lang="en-US" dirty="0"/>
+              <a:t>Commas, tabs, </a:t>
+            </a:r>
+            <a:br>
+              <a:rPr lang="en-US" dirty="0"/>
+            </a:br>
+            <a:r>
+              <a:rPr lang="en-US" dirty="0"/>
+              <a:t>quotation marks</a:t>
+            </a:r>
           </a:p>
         </p:txBody>
       </p:sp>
@@ -8241,6 +9031,35 @@
           </a:prstGeom>
         </p:spPr>
       </p:pic>
+      <p:sp>
+        <p:nvSpPr>
+          <p:cNvPr id="3" name="Slide Number Placeholder 2">
+            <a:extLst>
+              <a:ext uri="{FF2B5EF4-FFF2-40B4-BE49-F238E27FC236}">
+                <a16:creationId xmlns:a16="http://schemas.microsoft.com/office/drawing/2014/main" id="{2D0352CB-408B-204C-BC65-8E37C130B4A9}"/>
+              </a:ext>
+            </a:extLst>
+          </p:cNvPr>
+          <p:cNvSpPr>
+            <a:spLocks noGrp="1"/>
+          </p:cNvSpPr>
+          <p:nvPr>
+            <p:ph type="sldNum" sz="quarter" idx="12"/>
+          </p:nvPr>
+        </p:nvSpPr>
+        <p:spPr/>
+        <p:txBody>
+          <a:bodyPr/>
+          <a:lstStyle/>
+          <a:p>
+            <a:fld id="{934C0642-4071-7D48-AFF8-BD27182896CC}" type="slidenum">
+              <a:rPr lang="en-US" smtClean="0"/>
+              <a:t>8</a:t>
+            </a:fld>
+            <a:endParaRPr lang="en-US"/>
+          </a:p>
+        </p:txBody>
+      </p:sp>
     </p:spTree>
     <p:extLst>
       <p:ext uri="{BB962C8B-B14F-4D97-AF65-F5344CB8AC3E}">
@@ -8637,128 +9456,6 @@
                       </p:childTnLst>
                     </p:cTn>
                   </p:par>
-                  <p:par>
-                    <p:cTn id="33" fill="hold">
-                      <p:stCondLst>
-                        <p:cond delay="indefinite"/>
-                      </p:stCondLst>
-                      <p:childTnLst>
-                        <p:par>
-                          <p:cTn id="34" fill="hold">
-                            <p:stCondLst>
-                              <p:cond delay="0"/>
-                            </p:stCondLst>
-                            <p:childTnLst>
-                              <p:par>
-                                <p:cTn id="35" presetID="10" presetClass="entr" presetSubtype="0" fill="hold" grpId="0" nodeType="clickEffect">
-                                  <p:stCondLst>
-                                    <p:cond delay="0"/>
-                                  </p:stCondLst>
-                                  <p:childTnLst>
-                                    <p:set>
-                                      <p:cBhvr>
-                                        <p:cTn id="36" dur="1" fill="hold">
-                                          <p:stCondLst>
-                                            <p:cond delay="0"/>
-                                          </p:stCondLst>
-                                        </p:cTn>
-                                        <p:tgtEl>
-                                          <p:spTgt spid="11">
-                                            <p:txEl>
-                                              <p:pRg st="6" end="6"/>
-                                            </p:txEl>
-                                          </p:spTgt>
-                                        </p:tgtEl>
-                                        <p:attrNameLst>
-                                          <p:attrName>style.visibility</p:attrName>
-                                        </p:attrNameLst>
-                                      </p:cBhvr>
-                                      <p:to>
-                                        <p:strVal val="visible"/>
-                                      </p:to>
-                                    </p:set>
-                                    <p:animEffect transition="in" filter="fade">
-                                      <p:cBhvr>
-                                        <p:cTn id="37" dur="500"/>
-                                        <p:tgtEl>
-                                          <p:spTgt spid="11">
-                                            <p:txEl>
-                                              <p:pRg st="6" end="6"/>
-                                            </p:txEl>
-                                          </p:spTgt>
-                                        </p:tgtEl>
-                                      </p:cBhvr>
-                                    </p:animEffect>
-                                  </p:childTnLst>
-                                </p:cTn>
-                              </p:par>
-                            </p:childTnLst>
-                          </p:cTn>
-                        </p:par>
-                      </p:childTnLst>
-                    </p:cTn>
-                  </p:par>
-                  <p:par>
-                    <p:cTn id="38" fill="hold">
-                      <p:stCondLst>
-                        <p:cond delay="indefinite"/>
-                      </p:stCondLst>
-                      <p:childTnLst>
-                        <p:par>
-                          <p:cTn id="39" fill="hold">
-                            <p:stCondLst>
-                              <p:cond delay="0"/>
-                            </p:stCondLst>
-                            <p:childTnLst>
-                              <p:par>
-                                <p:cTn id="40" presetID="10" presetClass="entr" presetSubtype="0" fill="hold" grpId="0" nodeType="clickEffect">
-                                  <p:stCondLst>
-                                    <p:cond delay="0"/>
-                                  </p:stCondLst>
-                                  <p:childTnLst>
-                                    <p:set>
-                                      <p:cBhvr>
-                                        <p:cTn id="41" dur="1" fill="hold">
-                                          <p:stCondLst>
-                                            <p:cond delay="0"/>
-                                          </p:stCondLst>
-                                        </p:cTn>
-                                        <p:tgtEl>
-                                          <p:spTgt spid="11">
-                                            <p:txEl>
-                                              <p:pRg st="7" end="7"/>
-                                            </p:txEl>
-                                          </p:spTgt>
-                                        </p:tgtEl>
-                                        <p:attrNameLst>
-                                          <p:attrName>style.visibility</p:attrName>
-                                        </p:attrNameLst>
-                                      </p:cBhvr>
-                                      <p:to>
-                                        <p:strVal val="visible"/>
-                                      </p:to>
-                                    </p:set>
-                                    <p:animEffect transition="in" filter="fade">
-                                      <p:cBhvr>
-                                        <p:cTn id="42" dur="500"/>
-                                        <p:tgtEl>
-                                          <p:spTgt spid="11">
-                                            <p:txEl>
-                                              <p:pRg st="7" end="7"/>
-                                            </p:txEl>
-                                          </p:spTgt>
-                                        </p:tgtEl>
-                                      </p:cBhvr>
-                                    </p:animEffect>
-                                  </p:childTnLst>
-                                </p:cTn>
-                              </p:par>
-                            </p:childTnLst>
-                          </p:cTn>
-                        </p:par>
-                      </p:childTnLst>
-                    </p:cTn>
-                  </p:par>
                 </p:childTnLst>
               </p:cTn>
               <p:prevCondLst>
@@ -8860,52 +9557,47 @@
           <a:lstStyle/>
           <a:p>
             <a:r>
-              <a:rPr lang="en-US" dirty="0"/>
-              <a:t>Widely used file format for nested data</a:t>
-            </a:r>
-          </a:p>
-          <a:p>
-            <a:pPr lvl="1"/>
-            <a:r>
-              <a:rPr lang="en-US" dirty="0"/>
-              <a:t>Natural maps to python dictionaries (many tools for loading)</a:t>
-            </a:r>
-          </a:p>
-          <a:p>
-            <a:pPr lvl="1"/>
-            <a:r>
-              <a:rPr lang="en-US" dirty="0"/>
-              <a:t>Strict formatting ”quoting” addresses some issues in CSV/TSV</a:t>
-            </a:r>
-          </a:p>
-          <a:p>
-            <a:r>
-              <a:rPr lang="en-US" dirty="0"/>
-              <a:t>Issues</a:t>
-            </a:r>
-          </a:p>
-          <a:p>
-            <a:pPr lvl="1"/>
-            <a:r>
-              <a:rPr lang="en-US" dirty="0"/>
-              <a:t>Each record can have different fields</a:t>
-            </a:r>
-          </a:p>
-          <a:p>
-            <a:pPr lvl="1"/>
-            <a:r>
-              <a:rPr lang="en-US" dirty="0"/>
-              <a:t>Nesting means records can contain records </a:t>
-            </a:r>
-            <a:r>
               <a:rPr lang="en-US" dirty="0">
-                <a:sym typeface="Wingdings" pitchFamily="2" charset="2"/>
+                <a:solidFill>
+                  <a:srgbClr val="1A1A1A"/>
+                </a:solidFill>
+                <a:latin typeface="CrimsonText-Roman"/>
               </a:rPr>
-              <a:t> complicated</a:t>
-            </a:r>
-            <a:endParaRPr lang="en-US" dirty="0"/>
-          </a:p>
-          <a:p>
+              <a:t>Squiggly brackets act as 'containers’</a:t>
+            </a:r>
+          </a:p>
+          <a:p>
+            <a:r>
+              <a:rPr lang="en-US" dirty="0">
+                <a:solidFill>
+                  <a:srgbClr val="1A1A1A"/>
+                </a:solidFill>
+                <a:latin typeface="CrimsonText-Roman"/>
+              </a:rPr>
+              <a:t>Square brackets holds arrays</a:t>
+            </a:r>
+          </a:p>
+          <a:p>
+            <a:r>
+              <a:rPr lang="en-US" dirty="0">
+                <a:solidFill>
+                  <a:srgbClr val="1A1A1A"/>
+                </a:solidFill>
+                <a:latin typeface="CrimsonText-Roman"/>
+              </a:rPr>
+              <a:t>Names and values are separated by a colon.</a:t>
+            </a:r>
+          </a:p>
+          <a:p>
+            <a:r>
+              <a:rPr lang="en-US" dirty="0">
+                <a:solidFill>
+                  <a:srgbClr val="1A1A1A"/>
+                </a:solidFill>
+                <a:latin typeface="CrimsonText-Roman"/>
+              </a:rPr>
+              <a:t>Array elements are separated by commas</a:t>
+            </a:r>
             <a:endParaRPr lang="en-US" dirty="0"/>
           </a:p>
         </p:txBody>
@@ -8946,10 +9638,39 @@
           </a:prstGeom>
         </p:spPr>
       </p:pic>
+      <p:sp>
+        <p:nvSpPr>
+          <p:cNvPr id="3" name="Slide Number Placeholder 2">
+            <a:extLst>
+              <a:ext uri="{FF2B5EF4-FFF2-40B4-BE49-F238E27FC236}">
+                <a16:creationId xmlns:a16="http://schemas.microsoft.com/office/drawing/2014/main" id="{A9410F5B-92CC-3448-9EAB-F7F481B32986}"/>
+              </a:ext>
+            </a:extLst>
+          </p:cNvPr>
+          <p:cNvSpPr>
+            <a:spLocks noGrp="1"/>
+          </p:cNvSpPr>
+          <p:nvPr>
+            <p:ph type="sldNum" sz="quarter" idx="12"/>
+          </p:nvPr>
+        </p:nvSpPr>
+        <p:spPr/>
+        <p:txBody>
+          <a:bodyPr/>
+          <a:lstStyle/>
+          <a:p>
+            <a:fld id="{934C0642-4071-7D48-AFF8-BD27182896CC}" type="slidenum">
+              <a:rPr lang="en-US" smtClean="0"/>
+              <a:t>9</a:t>
+            </a:fld>
+            <a:endParaRPr lang="en-US"/>
+          </a:p>
+        </p:txBody>
+      </p:sp>
     </p:spTree>
     <p:extLst>
       <p:ext uri="{BB962C8B-B14F-4D97-AF65-F5344CB8AC3E}">
-        <p14:creationId xmlns:p14="http://schemas.microsoft.com/office/powerpoint/2010/main" val="1257973493"/>
+        <p14:creationId xmlns:p14="http://schemas.microsoft.com/office/powerpoint/2010/main" val="247072330"/>
       </p:ext>
     </p:extLst>
   </p:cSld>
@@ -9194,128 +9915,6 @@
                                           <p:spTgt spid="5">
                                             <p:txEl>
                                               <p:pRg st="3" end="3"/>
-                                            </p:txEl>
-                                          </p:spTgt>
-                                        </p:tgtEl>
-                                      </p:cBhvr>
-                                    </p:animEffect>
-                                  </p:childTnLst>
-                                </p:cTn>
-                              </p:par>
-                            </p:childTnLst>
-                          </p:cTn>
-                        </p:par>
-                      </p:childTnLst>
-                    </p:cTn>
-                  </p:par>
-                  <p:par>
-                    <p:cTn id="23" fill="hold">
-                      <p:stCondLst>
-                        <p:cond delay="indefinite"/>
-                      </p:stCondLst>
-                      <p:childTnLst>
-                        <p:par>
-                          <p:cTn id="24" fill="hold">
-                            <p:stCondLst>
-                              <p:cond delay="0"/>
-                            </p:stCondLst>
-                            <p:childTnLst>
-                              <p:par>
-                                <p:cTn id="25" presetID="10" presetClass="entr" presetSubtype="0" fill="hold" grpId="0" nodeType="clickEffect">
-                                  <p:stCondLst>
-                                    <p:cond delay="0"/>
-                                  </p:stCondLst>
-                                  <p:childTnLst>
-                                    <p:set>
-                                      <p:cBhvr>
-                                        <p:cTn id="26" dur="1" fill="hold">
-                                          <p:stCondLst>
-                                            <p:cond delay="0"/>
-                                          </p:stCondLst>
-                                        </p:cTn>
-                                        <p:tgtEl>
-                                          <p:spTgt spid="5">
-                                            <p:txEl>
-                                              <p:pRg st="4" end="4"/>
-                                            </p:txEl>
-                                          </p:spTgt>
-                                        </p:tgtEl>
-                                        <p:attrNameLst>
-                                          <p:attrName>style.visibility</p:attrName>
-                                        </p:attrNameLst>
-                                      </p:cBhvr>
-                                      <p:to>
-                                        <p:strVal val="visible"/>
-                                      </p:to>
-                                    </p:set>
-                                    <p:animEffect transition="in" filter="fade">
-                                      <p:cBhvr>
-                                        <p:cTn id="27" dur="500"/>
-                                        <p:tgtEl>
-                                          <p:spTgt spid="5">
-                                            <p:txEl>
-                                              <p:pRg st="4" end="4"/>
-                                            </p:txEl>
-                                          </p:spTgt>
-                                        </p:tgtEl>
-                                      </p:cBhvr>
-                                    </p:animEffect>
-                                  </p:childTnLst>
-                                </p:cTn>
-                              </p:par>
-                            </p:childTnLst>
-                          </p:cTn>
-                        </p:par>
-                      </p:childTnLst>
-                    </p:cTn>
-                  </p:par>
-                  <p:par>
-                    <p:cTn id="28" fill="hold">
-                      <p:stCondLst>
-                        <p:cond delay="indefinite"/>
-                      </p:stCondLst>
-                      <p:childTnLst>
-                        <p:par>
-                          <p:cTn id="29" fill="hold">
-                            <p:stCondLst>
-                              <p:cond delay="0"/>
-                            </p:stCondLst>
-                            <p:childTnLst>
-                              <p:par>
-                                <p:cTn id="30" presetID="10" presetClass="entr" presetSubtype="0" fill="hold" grpId="0" nodeType="clickEffect">
-                                  <p:stCondLst>
-                                    <p:cond delay="0"/>
-                                  </p:stCondLst>
-                                  <p:childTnLst>
-                                    <p:set>
-                                      <p:cBhvr>
-                                        <p:cTn id="31" dur="1" fill="hold">
-                                          <p:stCondLst>
-                                            <p:cond delay="0"/>
-                                          </p:stCondLst>
-                                        </p:cTn>
-                                        <p:tgtEl>
-                                          <p:spTgt spid="5">
-                                            <p:txEl>
-                                              <p:pRg st="5" end="5"/>
-                                            </p:txEl>
-                                          </p:spTgt>
-                                        </p:tgtEl>
-                                        <p:attrNameLst>
-                                          <p:attrName>style.visibility</p:attrName>
-                                        </p:attrNameLst>
-                                      </p:cBhvr>
-                                      <p:to>
-                                        <p:strVal val="visible"/>
-                                      </p:to>
-                                    </p:set>
-                                    <p:animEffect transition="in" filter="fade">
-                                      <p:cBhvr>
-                                        <p:cTn id="32" dur="500"/>
-                                        <p:tgtEl>
-                                          <p:spTgt spid="5">
-                                            <p:txEl>
-                                              <p:pRg st="5" end="5"/>
                                             </p:txEl>
                                           </p:spTgt>
                                         </p:tgtEl>

--- a/lecture/Lecture 6 Sept 11/6 Data Cleaning, EDA and Energy.pptx
+++ b/lecture/Lecture 6 Sept 11/6 Data Cleaning, EDA and Energy.pptx
@@ -214,7 +214,7 @@
           <a:p>
             <a:fld id="{4386939B-C2BD-984A-B580-7D8280183BCE}" type="datetimeFigureOut">
               <a:rPr lang="en-US" smtClean="0"/>
-              <a:t>9/10/18</a:t>
+              <a:t>9/11/18</a:t>
             </a:fld>
             <a:endParaRPr lang="en-US"/>
           </a:p>
@@ -4146,7 +4146,7 @@
         </p:nvSpPr>
         <p:spPr>
           <a:xfrm>
-            <a:off x="295776" y="208380"/>
+            <a:off x="295776" y="-37806"/>
             <a:ext cx="10801350" cy="1325563"/>
           </a:xfrm>
         </p:spPr>
@@ -4179,8 +4179,8 @@
         </p:nvSpPr>
         <p:spPr>
           <a:xfrm>
-            <a:off x="695325" y="3757145"/>
-            <a:ext cx="10515600" cy="2839335"/>
+            <a:off x="695325" y="3288323"/>
+            <a:ext cx="10515600" cy="3308157"/>
           </a:xfrm>
         </p:spPr>
         <p:txBody>
@@ -4232,6 +4232,26 @@
                 <a:sym typeface="Wingdings" pitchFamily="2" charset="2"/>
               </a:rPr>
               <a:t> complicated</a:t>
+            </a:r>
+          </a:p>
+          <a:p>
+            <a:r>
+              <a:rPr lang="en-US" dirty="0">
+                <a:sym typeface="Wingdings" pitchFamily="2" charset="2"/>
+              </a:rPr>
+              <a:t>Side note: look at the “raw” form of the .</a:t>
+            </a:r>
+            <a:r>
+              <a:rPr lang="en-US" dirty="0" err="1">
+                <a:sym typeface="Wingdings" pitchFamily="2" charset="2"/>
+              </a:rPr>
+              <a:t>ipynb</a:t>
+            </a:r>
+            <a:r>
+              <a:rPr lang="en-US" dirty="0">
+                <a:sym typeface="Wingdings" pitchFamily="2" charset="2"/>
+              </a:rPr>
+              <a:t> files! (They’re JSON.)</a:t>
             </a:r>
             <a:endParaRPr lang="en-US" dirty="0"/>
           </a:p>
@@ -4268,7 +4288,7 @@
         </p:blipFill>
         <p:spPr>
           <a:xfrm>
-            <a:off x="2056899" y="1313081"/>
+            <a:off x="2056899" y="943801"/>
             <a:ext cx="8081210" cy="2026970"/>
           </a:xfrm>
           <a:prstGeom prst="rect">
@@ -4675,6 +4695,67 @@
                                           <p:spTgt spid="5">
                                             <p:txEl>
                                               <p:pRg st="5" end="5"/>
+                                            </p:txEl>
+                                          </p:spTgt>
+                                        </p:tgtEl>
+                                      </p:cBhvr>
+                                    </p:animEffect>
+                                  </p:childTnLst>
+                                </p:cTn>
+                              </p:par>
+                            </p:childTnLst>
+                          </p:cTn>
+                        </p:par>
+                      </p:childTnLst>
+                    </p:cTn>
+                  </p:par>
+                  <p:par>
+                    <p:cTn id="33" fill="hold">
+                      <p:stCondLst>
+                        <p:cond delay="indefinite"/>
+                      </p:stCondLst>
+                      <p:childTnLst>
+                        <p:par>
+                          <p:cTn id="34" fill="hold">
+                            <p:stCondLst>
+                              <p:cond delay="0"/>
+                            </p:stCondLst>
+                            <p:childTnLst>
+                              <p:par>
+                                <p:cTn id="35" presetID="10" presetClass="entr" presetSubtype="0" fill="hold" grpId="0" nodeType="clickEffect">
+                                  <p:stCondLst>
+                                    <p:cond delay="0"/>
+                                  </p:stCondLst>
+                                  <p:childTnLst>
+                                    <p:set>
+                                      <p:cBhvr>
+                                        <p:cTn id="36" dur="1" fill="hold">
+                                          <p:stCondLst>
+                                            <p:cond delay="0"/>
+                                          </p:stCondLst>
+                                        </p:cTn>
+                                        <p:tgtEl>
+                                          <p:spTgt spid="5">
+                                            <p:txEl>
+                                              <p:pRg st="6" end="6"/>
+                                            </p:txEl>
+                                          </p:spTgt>
+                                        </p:tgtEl>
+                                        <p:attrNameLst>
+                                          <p:attrName>style.visibility</p:attrName>
+                                        </p:attrNameLst>
+                                      </p:cBhvr>
+                                      <p:to>
+                                        <p:strVal val="visible"/>
+                                      </p:to>
+                                    </p:set>
+                                    <p:animEffect transition="in" filter="fade">
+                                      <p:cBhvr>
+                                        <p:cTn id="37" dur="500"/>
+                                        <p:tgtEl>
+                                          <p:spTgt spid="5">
+                                            <p:txEl>
+                                              <p:pRg st="6" end="6"/>
                                             </p:txEl>
                                           </p:spTgt>
                                         </p:tgtEl>
